--- a/file/fig/fig.pptx
+++ b/file/fig/fig.pptx
@@ -5,7 +5,8 @@
     <p:sldMasterId id="2147483660" r:id="rId1"/>
   </p:sldMasterIdLst>
   <p:sldIdLst>
-    <p:sldId id="256" r:id="rId2"/>
+    <p:sldId id="257" r:id="rId2"/>
+    <p:sldId id="256" r:id="rId3"/>
   </p:sldIdLst>
   <p:sldSz cx="9144000" cy="6858000" type="screen4x3"/>
   <p:notesSz cx="6858000" cy="9144000"/>
@@ -488,6 +489,1496 @@
       </p:grpSpPr>
       <p:pic>
         <p:nvPicPr>
+          <p:cNvPr id="1026" name="Picture 2" descr="ãã¡ã¤ã«ã¢ã¤ã³ã³ï¼ãã­ã¹ãï¼"/>
+          <p:cNvPicPr>
+            <a:picLocks noChangeAspect="1" noChangeArrowheads="1"/>
+          </p:cNvPicPr>
+          <p:nvPr/>
+        </p:nvPicPr>
+        <p:blipFill>
+          <a:blip r:embed="rId2">
+            <a:extLst>
+              <a:ext uri="{28A0092B-C50C-407E-A947-70E740481C1C}">
+                <a14:useLocalDpi xmlns:a14="http://schemas.microsoft.com/office/drawing/2010/main" val="0"/>
+              </a:ext>
+            </a:extLst>
+          </a:blip>
+          <a:srcRect/>
+          <a:stretch>
+            <a:fillRect/>
+          </a:stretch>
+        </p:blipFill>
+        <p:spPr bwMode="auto">
+          <a:xfrm>
+            <a:off x="1689239" y="458200"/>
+            <a:ext cx="732292" cy="850404"/>
+          </a:xfrm>
+          <a:prstGeom prst="rect">
+            <a:avLst/>
+          </a:prstGeom>
+          <a:noFill/>
+          <a:extLst>
+            <a:ext uri="{909E8E84-426E-40DD-AFC4-6F175D3DCCD1}">
+              <a14:hiddenFill xmlns:a14="http://schemas.microsoft.com/office/drawing/2010/main">
+                <a:solidFill>
+                  <a:srgbClr val="FFFFFF"/>
+                </a:solidFill>
+              </a14:hiddenFill>
+            </a:ext>
+          </a:extLst>
+        </p:spPr>
+      </p:pic>
+      <p:sp>
+        <p:nvSpPr>
+          <p:cNvPr id="2" name="正方形/長方形 1"/>
+          <p:cNvSpPr/>
+          <p:nvPr/>
+        </p:nvSpPr>
+        <p:spPr>
+          <a:xfrm>
+            <a:off x="1701451" y="1988840"/>
+            <a:ext cx="7191029" cy="720080"/>
+          </a:xfrm>
+          <a:prstGeom prst="rect">
+            <a:avLst/>
+          </a:prstGeom>
+          <a:noFill/>
+          <a:ln>
+            <a:solidFill>
+              <a:schemeClr val="tx1"/>
+            </a:solidFill>
+          </a:ln>
+        </p:spPr>
+        <p:style>
+          <a:lnRef idx="2">
+            <a:schemeClr val="accent1">
+              <a:shade val="50000"/>
+            </a:schemeClr>
+          </a:lnRef>
+          <a:fillRef idx="1">
+            <a:schemeClr val="accent1"/>
+          </a:fillRef>
+          <a:effectRef idx="0">
+            <a:schemeClr val="accent1"/>
+          </a:effectRef>
+          <a:fontRef idx="minor">
+            <a:schemeClr val="lt1"/>
+          </a:fontRef>
+        </p:style>
+        <p:txBody>
+          <a:bodyPr rtlCol="0" anchor="ctr"/>
+          <a:lstStyle/>
+          <a:p>
+            <a:pPr algn="ctr"/>
+            <a:endParaRPr kumimoji="1" lang="ja-JP" altLang="en-US"/>
+          </a:p>
+        </p:txBody>
+      </p:sp>
+      <p:sp>
+        <p:nvSpPr>
+          <p:cNvPr id="3" name="正方形/長方形 2"/>
+          <p:cNvSpPr/>
+          <p:nvPr/>
+        </p:nvSpPr>
+        <p:spPr>
+          <a:xfrm>
+            <a:off x="1701451" y="1988840"/>
+            <a:ext cx="720080" cy="720080"/>
+          </a:xfrm>
+          <a:prstGeom prst="rect">
+            <a:avLst/>
+          </a:prstGeom>
+          <a:solidFill>
+            <a:schemeClr val="accent1">
+              <a:lumMod val="60000"/>
+              <a:lumOff val="40000"/>
+            </a:schemeClr>
+          </a:solidFill>
+          <a:ln>
+            <a:solidFill>
+              <a:schemeClr val="tx1"/>
+            </a:solidFill>
+          </a:ln>
+        </p:spPr>
+        <p:style>
+          <a:lnRef idx="2">
+            <a:schemeClr val="accent1">
+              <a:shade val="50000"/>
+            </a:schemeClr>
+          </a:lnRef>
+          <a:fillRef idx="1">
+            <a:schemeClr val="accent1"/>
+          </a:fillRef>
+          <a:effectRef idx="0">
+            <a:schemeClr val="accent1"/>
+          </a:effectRef>
+          <a:fontRef idx="minor">
+            <a:schemeClr val="lt1"/>
+          </a:fontRef>
+        </p:style>
+        <p:txBody>
+          <a:bodyPr rtlCol="0" anchor="ctr"/>
+          <a:lstStyle/>
+          <a:p>
+            <a:pPr algn="ctr"/>
+            <a:endParaRPr kumimoji="1" lang="ja-JP" altLang="en-US"/>
+          </a:p>
+        </p:txBody>
+      </p:sp>
+      <p:sp>
+        <p:nvSpPr>
+          <p:cNvPr id="5" name="正方形/長方形 4"/>
+          <p:cNvSpPr/>
+          <p:nvPr/>
+        </p:nvSpPr>
+        <p:spPr>
+          <a:xfrm>
+            <a:off x="3131840" y="1988840"/>
+            <a:ext cx="720080" cy="720080"/>
+          </a:xfrm>
+          <a:prstGeom prst="rect">
+            <a:avLst/>
+          </a:prstGeom>
+          <a:solidFill>
+            <a:schemeClr val="accent2">
+              <a:lumMod val="40000"/>
+              <a:lumOff val="60000"/>
+            </a:schemeClr>
+          </a:solidFill>
+          <a:ln>
+            <a:solidFill>
+              <a:schemeClr val="tx1"/>
+            </a:solidFill>
+          </a:ln>
+        </p:spPr>
+        <p:style>
+          <a:lnRef idx="2">
+            <a:schemeClr val="accent1">
+              <a:shade val="50000"/>
+            </a:schemeClr>
+          </a:lnRef>
+          <a:fillRef idx="1">
+            <a:schemeClr val="accent1"/>
+          </a:fillRef>
+          <a:effectRef idx="0">
+            <a:schemeClr val="accent1"/>
+          </a:effectRef>
+          <a:fontRef idx="minor">
+            <a:schemeClr val="lt1"/>
+          </a:fontRef>
+        </p:style>
+        <p:txBody>
+          <a:bodyPr rtlCol="0" anchor="ctr"/>
+          <a:lstStyle/>
+          <a:p>
+            <a:pPr algn="ctr"/>
+            <a:endParaRPr kumimoji="1" lang="ja-JP" altLang="en-US"/>
+          </a:p>
+        </p:txBody>
+      </p:sp>
+      <p:sp>
+        <p:nvSpPr>
+          <p:cNvPr id="6" name="正方形/長方形 5"/>
+          <p:cNvSpPr/>
+          <p:nvPr/>
+        </p:nvSpPr>
+        <p:spPr>
+          <a:xfrm>
+            <a:off x="3851920" y="1988840"/>
+            <a:ext cx="720080" cy="720080"/>
+          </a:xfrm>
+          <a:prstGeom prst="rect">
+            <a:avLst/>
+          </a:prstGeom>
+          <a:solidFill>
+            <a:schemeClr val="accent2">
+              <a:lumMod val="40000"/>
+              <a:lumOff val="60000"/>
+            </a:schemeClr>
+          </a:solidFill>
+          <a:ln>
+            <a:solidFill>
+              <a:schemeClr val="tx1"/>
+            </a:solidFill>
+          </a:ln>
+        </p:spPr>
+        <p:style>
+          <a:lnRef idx="2">
+            <a:schemeClr val="accent1">
+              <a:shade val="50000"/>
+            </a:schemeClr>
+          </a:lnRef>
+          <a:fillRef idx="1">
+            <a:schemeClr val="accent1"/>
+          </a:fillRef>
+          <a:effectRef idx="0">
+            <a:schemeClr val="accent1"/>
+          </a:effectRef>
+          <a:fontRef idx="minor">
+            <a:schemeClr val="lt1"/>
+          </a:fontRef>
+        </p:style>
+        <p:txBody>
+          <a:bodyPr rtlCol="0" anchor="ctr"/>
+          <a:lstStyle/>
+          <a:p>
+            <a:pPr algn="ctr"/>
+            <a:endParaRPr kumimoji="1" lang="ja-JP" altLang="en-US"/>
+          </a:p>
+        </p:txBody>
+      </p:sp>
+      <p:sp>
+        <p:nvSpPr>
+          <p:cNvPr id="7" name="正方形/長方形 6"/>
+          <p:cNvSpPr/>
+          <p:nvPr/>
+        </p:nvSpPr>
+        <p:spPr>
+          <a:xfrm>
+            <a:off x="5292080" y="1988840"/>
+            <a:ext cx="720080" cy="720080"/>
+          </a:xfrm>
+          <a:prstGeom prst="rect">
+            <a:avLst/>
+          </a:prstGeom>
+          <a:solidFill>
+            <a:schemeClr val="accent2">
+              <a:lumMod val="40000"/>
+              <a:lumOff val="60000"/>
+            </a:schemeClr>
+          </a:solidFill>
+          <a:ln>
+            <a:solidFill>
+              <a:schemeClr val="tx1"/>
+            </a:solidFill>
+          </a:ln>
+        </p:spPr>
+        <p:style>
+          <a:lnRef idx="2">
+            <a:schemeClr val="accent1">
+              <a:shade val="50000"/>
+            </a:schemeClr>
+          </a:lnRef>
+          <a:fillRef idx="1">
+            <a:schemeClr val="accent1"/>
+          </a:fillRef>
+          <a:effectRef idx="0">
+            <a:schemeClr val="accent1"/>
+          </a:effectRef>
+          <a:fontRef idx="minor">
+            <a:schemeClr val="lt1"/>
+          </a:fontRef>
+        </p:style>
+        <p:txBody>
+          <a:bodyPr rtlCol="0" anchor="ctr"/>
+          <a:lstStyle/>
+          <a:p>
+            <a:pPr algn="ctr"/>
+            <a:endParaRPr kumimoji="1" lang="ja-JP" altLang="en-US"/>
+          </a:p>
+        </p:txBody>
+      </p:sp>
+      <p:pic>
+        <p:nvPicPr>
+          <p:cNvPr id="8" name="Picture 2" descr="ãã¡ã¤ã«ã¢ã¤ã³ã³ï¼ãã­ã¹ãï¼"/>
+          <p:cNvPicPr>
+            <a:picLocks noChangeAspect="1" noChangeArrowheads="1"/>
+          </p:cNvPicPr>
+          <p:nvPr/>
+        </p:nvPicPr>
+        <p:blipFill>
+          <a:blip r:embed="rId2">
+            <a:extLst>
+              <a:ext uri="{28A0092B-C50C-407E-A947-70E740481C1C}">
+                <a14:useLocalDpi xmlns:a14="http://schemas.microsoft.com/office/drawing/2010/main" val="0"/>
+              </a:ext>
+            </a:extLst>
+          </a:blip>
+          <a:srcRect/>
+          <a:stretch>
+            <a:fillRect/>
+          </a:stretch>
+        </p:blipFill>
+        <p:spPr bwMode="auto">
+          <a:xfrm>
+            <a:off x="3138380" y="469110"/>
+            <a:ext cx="732292" cy="850404"/>
+          </a:xfrm>
+          <a:prstGeom prst="rect">
+            <a:avLst/>
+          </a:prstGeom>
+          <a:noFill/>
+          <a:extLst>
+            <a:ext uri="{909E8E84-426E-40DD-AFC4-6F175D3DCCD1}">
+              <a14:hiddenFill xmlns:a14="http://schemas.microsoft.com/office/drawing/2010/main">
+                <a:solidFill>
+                  <a:srgbClr val="FFFFFF"/>
+                </a:solidFill>
+              </a14:hiddenFill>
+            </a:ext>
+          </a:extLst>
+        </p:spPr>
+      </p:pic>
+      <p:sp>
+        <p:nvSpPr>
+          <p:cNvPr id="4" name="テキスト ボックス 3"/>
+          <p:cNvSpPr txBox="1"/>
+          <p:nvPr/>
+        </p:nvSpPr>
+        <p:spPr>
+          <a:xfrm>
+            <a:off x="468187" y="632702"/>
+            <a:ext cx="1011815" cy="523220"/>
+          </a:xfrm>
+          <a:prstGeom prst="rect">
+            <a:avLst/>
+          </a:prstGeom>
+          <a:noFill/>
+        </p:spPr>
+        <p:txBody>
+          <a:bodyPr wrap="none" rtlCol="0">
+            <a:spAutoFit/>
+          </a:bodyPr>
+          <a:lstStyle/>
+          <a:p>
+            <a:r>
+              <a:rPr kumimoji="1" lang="en-US" altLang="ja-JP" sz="2800" dirty="0" smtClean="0"/>
+              <a:t>inode</a:t>
+            </a:r>
+            <a:endParaRPr kumimoji="1" lang="ja-JP" altLang="en-US" sz="2800" dirty="0"/>
+          </a:p>
+        </p:txBody>
+      </p:sp>
+      <p:sp>
+        <p:nvSpPr>
+          <p:cNvPr id="10" name="テキスト ボックス 9"/>
+          <p:cNvSpPr txBox="1"/>
+          <p:nvPr/>
+        </p:nvSpPr>
+        <p:spPr>
+          <a:xfrm>
+            <a:off x="253480" y="2164214"/>
+            <a:ext cx="1338828" cy="369332"/>
+          </a:xfrm>
+          <a:prstGeom prst="rect">
+            <a:avLst/>
+          </a:prstGeom>
+          <a:noFill/>
+        </p:spPr>
+        <p:txBody>
+          <a:bodyPr wrap="none" rtlCol="0">
+            <a:spAutoFit/>
+          </a:bodyPr>
+          <a:lstStyle/>
+          <a:p>
+            <a:r>
+              <a:rPr kumimoji="1" lang="ja-JP" altLang="en-US" dirty="0" smtClean="0"/>
+              <a:t>ストレージ</a:t>
+            </a:r>
+            <a:endParaRPr kumimoji="1" lang="ja-JP" altLang="en-US" dirty="0"/>
+          </a:p>
+        </p:txBody>
+      </p:sp>
+      <p:sp>
+        <p:nvSpPr>
+          <p:cNvPr id="9" name="テキスト ボックス 8"/>
+          <p:cNvSpPr txBox="1"/>
+          <p:nvPr/>
+        </p:nvSpPr>
+        <p:spPr>
+          <a:xfrm>
+            <a:off x="1689240" y="2852936"/>
+            <a:ext cx="732292" cy="461665"/>
+          </a:xfrm>
+          <a:prstGeom prst="rect">
+            <a:avLst/>
+          </a:prstGeom>
+          <a:noFill/>
+        </p:spPr>
+        <p:txBody>
+          <a:bodyPr wrap="square" rtlCol="0">
+            <a:spAutoFit/>
+          </a:bodyPr>
+          <a:lstStyle/>
+          <a:p>
+            <a:pPr algn="ctr"/>
+            <a:r>
+              <a:rPr kumimoji="1" lang="en-US" altLang="ja-JP" sz="2400" dirty="0" smtClean="0"/>
+              <a:t>0</a:t>
+            </a:r>
+            <a:endParaRPr kumimoji="1" lang="ja-JP" altLang="en-US" sz="2400" dirty="0"/>
+          </a:p>
+        </p:txBody>
+      </p:sp>
+      <p:sp>
+        <p:nvSpPr>
+          <p:cNvPr id="12" name="テキスト ボックス 11"/>
+          <p:cNvSpPr txBox="1"/>
+          <p:nvPr/>
+        </p:nvSpPr>
+        <p:spPr>
+          <a:xfrm>
+            <a:off x="2399548" y="2852936"/>
+            <a:ext cx="732292" cy="461665"/>
+          </a:xfrm>
+          <a:prstGeom prst="rect">
+            <a:avLst/>
+          </a:prstGeom>
+          <a:noFill/>
+        </p:spPr>
+        <p:txBody>
+          <a:bodyPr wrap="square" rtlCol="0">
+            <a:spAutoFit/>
+          </a:bodyPr>
+          <a:lstStyle/>
+          <a:p>
+            <a:pPr algn="ctr"/>
+            <a:r>
+              <a:rPr kumimoji="1" lang="en-US" altLang="ja-JP" sz="2400" dirty="0" smtClean="0"/>
+              <a:t>1</a:t>
+            </a:r>
+            <a:endParaRPr kumimoji="1" lang="ja-JP" altLang="en-US" sz="2400" dirty="0"/>
+          </a:p>
+        </p:txBody>
+      </p:sp>
+      <p:sp>
+        <p:nvSpPr>
+          <p:cNvPr id="13" name="テキスト ボックス 12"/>
+          <p:cNvSpPr txBox="1"/>
+          <p:nvPr/>
+        </p:nvSpPr>
+        <p:spPr>
+          <a:xfrm>
+            <a:off x="3131840" y="2852936"/>
+            <a:ext cx="732292" cy="461665"/>
+          </a:xfrm>
+          <a:prstGeom prst="rect">
+            <a:avLst/>
+          </a:prstGeom>
+          <a:noFill/>
+        </p:spPr>
+        <p:txBody>
+          <a:bodyPr wrap="square" rtlCol="0">
+            <a:spAutoFit/>
+          </a:bodyPr>
+          <a:lstStyle/>
+          <a:p>
+            <a:pPr algn="ctr"/>
+            <a:r>
+              <a:rPr kumimoji="1" lang="en-US" altLang="ja-JP" sz="2400" dirty="0" smtClean="0"/>
+              <a:t>2</a:t>
+            </a:r>
+            <a:endParaRPr kumimoji="1" lang="ja-JP" altLang="en-US" sz="2400" dirty="0"/>
+          </a:p>
+        </p:txBody>
+      </p:sp>
+      <p:sp>
+        <p:nvSpPr>
+          <p:cNvPr id="14" name="テキスト ボックス 13"/>
+          <p:cNvSpPr txBox="1"/>
+          <p:nvPr/>
+        </p:nvSpPr>
+        <p:spPr>
+          <a:xfrm>
+            <a:off x="3842148" y="2852936"/>
+            <a:ext cx="732292" cy="461665"/>
+          </a:xfrm>
+          <a:prstGeom prst="rect">
+            <a:avLst/>
+          </a:prstGeom>
+          <a:noFill/>
+        </p:spPr>
+        <p:txBody>
+          <a:bodyPr wrap="square" rtlCol="0">
+            <a:spAutoFit/>
+          </a:bodyPr>
+          <a:lstStyle/>
+          <a:p>
+            <a:pPr algn="ctr"/>
+            <a:r>
+              <a:rPr kumimoji="1" lang="en-US" altLang="ja-JP" sz="2400" dirty="0" smtClean="0"/>
+              <a:t>3</a:t>
+            </a:r>
+            <a:endParaRPr kumimoji="1" lang="ja-JP" altLang="en-US" sz="2400" dirty="0"/>
+          </a:p>
+        </p:txBody>
+      </p:sp>
+      <p:sp>
+        <p:nvSpPr>
+          <p:cNvPr id="15" name="テキスト ボックス 14"/>
+          <p:cNvSpPr txBox="1"/>
+          <p:nvPr/>
+        </p:nvSpPr>
+        <p:spPr>
+          <a:xfrm>
+            <a:off x="4572000" y="2852936"/>
+            <a:ext cx="732292" cy="461665"/>
+          </a:xfrm>
+          <a:prstGeom prst="rect">
+            <a:avLst/>
+          </a:prstGeom>
+          <a:noFill/>
+        </p:spPr>
+        <p:txBody>
+          <a:bodyPr wrap="square" rtlCol="0">
+            <a:spAutoFit/>
+          </a:bodyPr>
+          <a:lstStyle/>
+          <a:p>
+            <a:pPr algn="ctr"/>
+            <a:r>
+              <a:rPr lang="en-US" altLang="ja-JP" sz="2400" dirty="0"/>
+              <a:t>4</a:t>
+            </a:r>
+            <a:endParaRPr kumimoji="1" lang="ja-JP" altLang="en-US" sz="2400" dirty="0"/>
+          </a:p>
+        </p:txBody>
+      </p:sp>
+      <p:sp>
+        <p:nvSpPr>
+          <p:cNvPr id="16" name="テキスト ボックス 15"/>
+          <p:cNvSpPr txBox="1"/>
+          <p:nvPr/>
+        </p:nvSpPr>
+        <p:spPr>
+          <a:xfrm>
+            <a:off x="5282308" y="2852936"/>
+            <a:ext cx="732292" cy="461665"/>
+          </a:xfrm>
+          <a:prstGeom prst="rect">
+            <a:avLst/>
+          </a:prstGeom>
+          <a:noFill/>
+        </p:spPr>
+        <p:txBody>
+          <a:bodyPr wrap="square" rtlCol="0">
+            <a:spAutoFit/>
+          </a:bodyPr>
+          <a:lstStyle/>
+          <a:p>
+            <a:pPr algn="ctr"/>
+            <a:r>
+              <a:rPr lang="en-US" altLang="ja-JP" sz="2400" dirty="0"/>
+              <a:t>5</a:t>
+            </a:r>
+            <a:endParaRPr kumimoji="1" lang="ja-JP" altLang="en-US" sz="2400" dirty="0"/>
+          </a:p>
+        </p:txBody>
+      </p:sp>
+      <p:sp>
+        <p:nvSpPr>
+          <p:cNvPr id="17" name="テキスト ボックス 16"/>
+          <p:cNvSpPr txBox="1"/>
+          <p:nvPr/>
+        </p:nvSpPr>
+        <p:spPr>
+          <a:xfrm>
+            <a:off x="6012160" y="2852936"/>
+            <a:ext cx="732292" cy="461665"/>
+          </a:xfrm>
+          <a:prstGeom prst="rect">
+            <a:avLst/>
+          </a:prstGeom>
+          <a:noFill/>
+        </p:spPr>
+        <p:txBody>
+          <a:bodyPr wrap="square" rtlCol="0">
+            <a:spAutoFit/>
+          </a:bodyPr>
+          <a:lstStyle/>
+          <a:p>
+            <a:pPr algn="ctr"/>
+            <a:r>
+              <a:rPr lang="en-US" altLang="ja-JP" sz="2400" dirty="0"/>
+              <a:t>6</a:t>
+            </a:r>
+            <a:endParaRPr kumimoji="1" lang="ja-JP" altLang="en-US" sz="2400" dirty="0"/>
+          </a:p>
+        </p:txBody>
+      </p:sp>
+      <p:sp>
+        <p:nvSpPr>
+          <p:cNvPr id="18" name="テキスト ボックス 17"/>
+          <p:cNvSpPr txBox="1"/>
+          <p:nvPr/>
+        </p:nvSpPr>
+        <p:spPr>
+          <a:xfrm>
+            <a:off x="6722468" y="2852936"/>
+            <a:ext cx="732292" cy="461665"/>
+          </a:xfrm>
+          <a:prstGeom prst="rect">
+            <a:avLst/>
+          </a:prstGeom>
+          <a:noFill/>
+        </p:spPr>
+        <p:txBody>
+          <a:bodyPr wrap="square" rtlCol="0">
+            <a:spAutoFit/>
+          </a:bodyPr>
+          <a:lstStyle/>
+          <a:p>
+            <a:pPr algn="ctr"/>
+            <a:r>
+              <a:rPr lang="en-US" altLang="ja-JP" sz="2400" dirty="0"/>
+              <a:t>7</a:t>
+            </a:r>
+            <a:endParaRPr kumimoji="1" lang="ja-JP" altLang="en-US" sz="2400" dirty="0"/>
+          </a:p>
+        </p:txBody>
+      </p:sp>
+      <p:sp>
+        <p:nvSpPr>
+          <p:cNvPr id="19" name="テキスト ボックス 18"/>
+          <p:cNvSpPr txBox="1"/>
+          <p:nvPr/>
+        </p:nvSpPr>
+        <p:spPr>
+          <a:xfrm>
+            <a:off x="7452320" y="2852936"/>
+            <a:ext cx="732292" cy="461665"/>
+          </a:xfrm>
+          <a:prstGeom prst="rect">
+            <a:avLst/>
+          </a:prstGeom>
+          <a:noFill/>
+        </p:spPr>
+        <p:txBody>
+          <a:bodyPr wrap="square" rtlCol="0">
+            <a:spAutoFit/>
+          </a:bodyPr>
+          <a:lstStyle/>
+          <a:p>
+            <a:pPr algn="ctr"/>
+            <a:r>
+              <a:rPr kumimoji="1" lang="en-US" altLang="ja-JP" sz="2400" dirty="0" smtClean="0"/>
+              <a:t>8</a:t>
+            </a:r>
+            <a:endParaRPr kumimoji="1" lang="ja-JP" altLang="en-US" sz="2400" dirty="0"/>
+          </a:p>
+        </p:txBody>
+      </p:sp>
+      <p:sp>
+        <p:nvSpPr>
+          <p:cNvPr id="20" name="テキスト ボックス 19"/>
+          <p:cNvSpPr txBox="1"/>
+          <p:nvPr/>
+        </p:nvSpPr>
+        <p:spPr>
+          <a:xfrm>
+            <a:off x="8162628" y="2852936"/>
+            <a:ext cx="732292" cy="461665"/>
+          </a:xfrm>
+          <a:prstGeom prst="rect">
+            <a:avLst/>
+          </a:prstGeom>
+          <a:noFill/>
+        </p:spPr>
+        <p:txBody>
+          <a:bodyPr wrap="square" rtlCol="0">
+            <a:spAutoFit/>
+          </a:bodyPr>
+          <a:lstStyle/>
+          <a:p>
+            <a:pPr algn="ctr"/>
+            <a:r>
+              <a:rPr lang="en-US" altLang="ja-JP" sz="2400" dirty="0"/>
+              <a:t>9</a:t>
+            </a:r>
+            <a:endParaRPr kumimoji="1" lang="ja-JP" altLang="en-US" sz="2400" dirty="0"/>
+          </a:p>
+        </p:txBody>
+      </p:sp>
+      <p:cxnSp>
+        <p:nvCxnSpPr>
+          <p:cNvPr id="21" name="直線矢印コネクタ 20"/>
+          <p:cNvCxnSpPr>
+            <a:stCxn id="1026" idx="2"/>
+            <a:endCxn id="3" idx="0"/>
+          </p:cNvCxnSpPr>
+          <p:nvPr/>
+        </p:nvCxnSpPr>
+        <p:spPr>
+          <a:xfrm>
+            <a:off x="2055385" y="1308604"/>
+            <a:ext cx="6106" cy="680236"/>
+          </a:xfrm>
+          <a:prstGeom prst="straightConnector1">
+            <a:avLst/>
+          </a:prstGeom>
+          <a:ln w="12700">
+            <a:solidFill>
+              <a:schemeClr val="tx1"/>
+            </a:solidFill>
+            <a:tailEnd type="triangle"/>
+          </a:ln>
+        </p:spPr>
+        <p:style>
+          <a:lnRef idx="1">
+            <a:schemeClr val="accent1"/>
+          </a:lnRef>
+          <a:fillRef idx="0">
+            <a:schemeClr val="accent1"/>
+          </a:fillRef>
+          <a:effectRef idx="0">
+            <a:schemeClr val="accent1"/>
+          </a:effectRef>
+          <a:fontRef idx="minor">
+            <a:schemeClr val="tx1"/>
+          </a:fontRef>
+        </p:style>
+      </p:cxnSp>
+      <p:sp>
+        <p:nvSpPr>
+          <p:cNvPr id="22" name="テキスト ボックス 21"/>
+          <p:cNvSpPr txBox="1"/>
+          <p:nvPr/>
+        </p:nvSpPr>
+        <p:spPr>
+          <a:xfrm>
+            <a:off x="1729013" y="88868"/>
+            <a:ext cx="652743" cy="369332"/>
+          </a:xfrm>
+          <a:prstGeom prst="rect">
+            <a:avLst/>
+          </a:prstGeom>
+          <a:noFill/>
+        </p:spPr>
+        <p:txBody>
+          <a:bodyPr wrap="none" rtlCol="0">
+            <a:spAutoFit/>
+          </a:bodyPr>
+          <a:lstStyle/>
+          <a:p>
+            <a:r>
+              <a:rPr lang="en-US" altLang="ja-JP" dirty="0" smtClean="0"/>
+              <a:t>3414</a:t>
+            </a:r>
+            <a:endParaRPr kumimoji="1" lang="ja-JP" altLang="en-US" dirty="0"/>
+          </a:p>
+        </p:txBody>
+      </p:sp>
+      <p:sp>
+        <p:nvSpPr>
+          <p:cNvPr id="24" name="テキスト ボックス 23"/>
+          <p:cNvSpPr txBox="1"/>
+          <p:nvPr/>
+        </p:nvSpPr>
+        <p:spPr>
+          <a:xfrm>
+            <a:off x="3138380" y="88868"/>
+            <a:ext cx="652743" cy="369332"/>
+          </a:xfrm>
+          <a:prstGeom prst="rect">
+            <a:avLst/>
+          </a:prstGeom>
+          <a:noFill/>
+        </p:spPr>
+        <p:txBody>
+          <a:bodyPr wrap="none" rtlCol="0">
+            <a:spAutoFit/>
+          </a:bodyPr>
+          <a:lstStyle/>
+          <a:p>
+            <a:r>
+              <a:rPr lang="en-US" altLang="ja-JP" dirty="0" smtClean="0"/>
+              <a:t>5831</a:t>
+            </a:r>
+            <a:endParaRPr kumimoji="1" lang="ja-JP" altLang="en-US" dirty="0"/>
+          </a:p>
+        </p:txBody>
+      </p:sp>
+      <p:cxnSp>
+        <p:nvCxnSpPr>
+          <p:cNvPr id="27" name="直線矢印コネクタ 26"/>
+          <p:cNvCxnSpPr>
+            <a:endCxn id="5" idx="0"/>
+          </p:cNvCxnSpPr>
+          <p:nvPr/>
+        </p:nvCxnSpPr>
+        <p:spPr>
+          <a:xfrm flipH="1">
+            <a:off x="3491880" y="1308604"/>
+            <a:ext cx="6106" cy="680236"/>
+          </a:xfrm>
+          <a:prstGeom prst="straightConnector1">
+            <a:avLst/>
+          </a:prstGeom>
+          <a:ln w="12700">
+            <a:solidFill>
+              <a:schemeClr val="tx1"/>
+            </a:solidFill>
+            <a:tailEnd type="triangle"/>
+          </a:ln>
+        </p:spPr>
+        <p:style>
+          <a:lnRef idx="1">
+            <a:schemeClr val="accent1"/>
+          </a:lnRef>
+          <a:fillRef idx="0">
+            <a:schemeClr val="accent1"/>
+          </a:fillRef>
+          <a:effectRef idx="0">
+            <a:schemeClr val="accent1"/>
+          </a:effectRef>
+          <a:fontRef idx="minor">
+            <a:schemeClr val="tx1"/>
+          </a:fontRef>
+        </p:style>
+      </p:cxnSp>
+      <p:cxnSp>
+        <p:nvCxnSpPr>
+          <p:cNvPr id="30" name="カギ線コネクタ 29"/>
+          <p:cNvCxnSpPr>
+            <a:stCxn id="8" idx="2"/>
+            <a:endCxn id="6" idx="0"/>
+          </p:cNvCxnSpPr>
+          <p:nvPr/>
+        </p:nvCxnSpPr>
+        <p:spPr>
+          <a:xfrm rot="16200000" flipH="1">
+            <a:off x="3523580" y="1300460"/>
+            <a:ext cx="669326" cy="707434"/>
+          </a:xfrm>
+          <a:prstGeom prst="bentConnector3">
+            <a:avLst/>
+          </a:prstGeom>
+          <a:ln w="12700">
+            <a:solidFill>
+              <a:schemeClr val="tx1"/>
+            </a:solidFill>
+            <a:tailEnd type="triangle"/>
+          </a:ln>
+        </p:spPr>
+        <p:style>
+          <a:lnRef idx="1">
+            <a:schemeClr val="accent1"/>
+          </a:lnRef>
+          <a:fillRef idx="0">
+            <a:schemeClr val="accent1"/>
+          </a:fillRef>
+          <a:effectRef idx="0">
+            <a:schemeClr val="accent1"/>
+          </a:effectRef>
+          <a:fontRef idx="minor">
+            <a:schemeClr val="tx1"/>
+          </a:fontRef>
+        </p:style>
+      </p:cxnSp>
+      <p:cxnSp>
+        <p:nvCxnSpPr>
+          <p:cNvPr id="32" name="カギ線コネクタ 31"/>
+          <p:cNvCxnSpPr>
+            <a:stCxn id="8" idx="2"/>
+            <a:endCxn id="7" idx="0"/>
+          </p:cNvCxnSpPr>
+          <p:nvPr/>
+        </p:nvCxnSpPr>
+        <p:spPr>
+          <a:xfrm rot="16200000" flipH="1">
+            <a:off x="4243660" y="580380"/>
+            <a:ext cx="669326" cy="2147594"/>
+          </a:xfrm>
+          <a:prstGeom prst="bentConnector3">
+            <a:avLst/>
+          </a:prstGeom>
+          <a:ln w="12700">
+            <a:solidFill>
+              <a:schemeClr val="tx1"/>
+            </a:solidFill>
+            <a:tailEnd type="triangle"/>
+          </a:ln>
+        </p:spPr>
+        <p:style>
+          <a:lnRef idx="1">
+            <a:schemeClr val="accent1"/>
+          </a:lnRef>
+          <a:fillRef idx="0">
+            <a:schemeClr val="accent1"/>
+          </a:fillRef>
+          <a:effectRef idx="0">
+            <a:schemeClr val="accent1"/>
+          </a:effectRef>
+          <a:fontRef idx="minor">
+            <a:schemeClr val="tx1"/>
+          </a:fontRef>
+        </p:style>
+      </p:cxnSp>
+      <p:sp>
+        <p:nvSpPr>
+          <p:cNvPr id="33" name="テキスト ボックス 32"/>
+          <p:cNvSpPr txBox="1"/>
+          <p:nvPr/>
+        </p:nvSpPr>
+        <p:spPr>
+          <a:xfrm>
+            <a:off x="523629" y="84261"/>
+            <a:ext cx="1205384" cy="369332"/>
+          </a:xfrm>
+          <a:prstGeom prst="rect">
+            <a:avLst/>
+          </a:prstGeom>
+          <a:noFill/>
+        </p:spPr>
+        <p:txBody>
+          <a:bodyPr wrap="square" rtlCol="0">
+            <a:spAutoFit/>
+          </a:bodyPr>
+          <a:lstStyle/>
+          <a:p>
+            <a:r>
+              <a:rPr kumimoji="1" lang="en-US" altLang="ja-JP" dirty="0" smtClean="0"/>
+              <a:t>inode</a:t>
+            </a:r>
+            <a:r>
+              <a:rPr kumimoji="1" lang="ja-JP" altLang="en-US" dirty="0" smtClean="0"/>
+              <a:t>番号</a:t>
+            </a:r>
+            <a:endParaRPr kumimoji="1" lang="ja-JP" altLang="en-US" dirty="0"/>
+          </a:p>
+        </p:txBody>
+      </p:sp>
+      <p:sp>
+        <p:nvSpPr>
+          <p:cNvPr id="35" name="テキスト ボックス 34"/>
+          <p:cNvSpPr txBox="1"/>
+          <p:nvPr/>
+        </p:nvSpPr>
+        <p:spPr>
+          <a:xfrm>
+            <a:off x="315566" y="2899102"/>
+            <a:ext cx="1621509" cy="369332"/>
+          </a:xfrm>
+          <a:prstGeom prst="rect">
+            <a:avLst/>
+          </a:prstGeom>
+          <a:noFill/>
+        </p:spPr>
+        <p:txBody>
+          <a:bodyPr wrap="square" rtlCol="0">
+            <a:spAutoFit/>
+          </a:bodyPr>
+          <a:lstStyle/>
+          <a:p>
+            <a:r>
+              <a:rPr kumimoji="1" lang="ja-JP" altLang="en-US" dirty="0" smtClean="0"/>
+              <a:t>ブロック番号</a:t>
+            </a:r>
+            <a:endParaRPr kumimoji="1" lang="ja-JP" altLang="en-US" dirty="0"/>
+          </a:p>
+        </p:txBody>
+      </p:sp>
+      <p:pic>
+        <p:nvPicPr>
+          <p:cNvPr id="37" name="Picture 2" descr="ãã¡ã¤ã«ã¢ã¤ã³ã³ï¼ãã­ã¹ãï¼"/>
+          <p:cNvPicPr>
+            <a:picLocks noChangeAspect="1" noChangeArrowheads="1"/>
+          </p:cNvPicPr>
+          <p:nvPr/>
+        </p:nvPicPr>
+        <p:blipFill>
+          <a:blip r:embed="rId2">
+            <a:extLst>
+              <a:ext uri="{28A0092B-C50C-407E-A947-70E740481C1C}">
+                <a14:useLocalDpi xmlns:a14="http://schemas.microsoft.com/office/drawing/2010/main" val="0"/>
+              </a:ext>
+            </a:extLst>
+          </a:blip>
+          <a:srcRect/>
+          <a:stretch>
+            <a:fillRect/>
+          </a:stretch>
+        </p:blipFill>
+        <p:spPr bwMode="auto">
+          <a:xfrm>
+            <a:off x="1150004" y="4239560"/>
+            <a:ext cx="732292" cy="850404"/>
+          </a:xfrm>
+          <a:prstGeom prst="rect">
+            <a:avLst/>
+          </a:prstGeom>
+          <a:noFill/>
+          <a:extLst>
+            <a:ext uri="{909E8E84-426E-40DD-AFC4-6F175D3DCCD1}">
+              <a14:hiddenFill xmlns:a14="http://schemas.microsoft.com/office/drawing/2010/main">
+                <a:solidFill>
+                  <a:srgbClr val="FFFFFF"/>
+                </a:solidFill>
+              </a14:hiddenFill>
+            </a:ext>
+          </a:extLst>
+        </p:spPr>
+      </p:pic>
+      <p:sp>
+        <p:nvSpPr>
+          <p:cNvPr id="36" name="テキスト ボックス 35"/>
+          <p:cNvSpPr txBox="1"/>
+          <p:nvPr/>
+        </p:nvSpPr>
+        <p:spPr>
+          <a:xfrm flipH="1">
+            <a:off x="303768" y="3816568"/>
+            <a:ext cx="2424764" cy="369332"/>
+          </a:xfrm>
+          <a:prstGeom prst="rect">
+            <a:avLst/>
+          </a:prstGeom>
+          <a:noFill/>
+        </p:spPr>
+        <p:txBody>
+          <a:bodyPr wrap="square" rtlCol="0">
+            <a:spAutoFit/>
+          </a:bodyPr>
+          <a:lstStyle/>
+          <a:p>
+            <a:r>
+              <a:rPr lang="ja-JP" altLang="en-US" dirty="0" smtClean="0"/>
+              <a:t>ディレクトリの</a:t>
+            </a:r>
+            <a:r>
+              <a:rPr lang="en-US" altLang="ja-JP" dirty="0" smtClean="0"/>
+              <a:t>inode</a:t>
+            </a:r>
+          </a:p>
+        </p:txBody>
+      </p:sp>
+      <p:graphicFrame>
+        <p:nvGraphicFramePr>
+          <p:cNvPr id="40" name="表 39"/>
+          <p:cNvGraphicFramePr>
+            <a:graphicFrameLocks noGrp="1"/>
+          </p:cNvGraphicFramePr>
+          <p:nvPr>
+            <p:extLst>
+              <p:ext uri="{D42A27DB-BD31-4B8C-83A1-F6EECF244321}">
+                <p14:modId xmlns:p14="http://schemas.microsoft.com/office/powerpoint/2010/main" val="3931777531"/>
+              </p:ext>
+            </p:extLst>
+          </p:nvPr>
+        </p:nvGraphicFramePr>
+        <p:xfrm>
+          <a:off x="4208294" y="4293968"/>
+          <a:ext cx="4248472" cy="2012384"/>
+        </p:xfrm>
+        <a:graphic>
+          <a:graphicData uri="http://schemas.openxmlformats.org/drawingml/2006/table">
+            <a:tbl>
+              <a:tblPr firstRow="1" bandRow="1">
+                <a:tableStyleId>{5C22544A-7EE6-4342-B048-85BDC9FD1C3A}</a:tableStyleId>
+              </a:tblPr>
+              <a:tblGrid>
+                <a:gridCol w="1296144">
+                  <a:extLst>
+                    <a:ext uri="{9D8B030D-6E8A-4147-A177-3AD203B41FA5}">
+                      <a16:colId xmlns:a16="http://schemas.microsoft.com/office/drawing/2014/main" val="3887702418"/>
+                    </a:ext>
+                  </a:extLst>
+                </a:gridCol>
+                <a:gridCol w="2952328">
+                  <a:extLst>
+                    <a:ext uri="{9D8B030D-6E8A-4147-A177-3AD203B41FA5}">
+                      <a16:colId xmlns:a16="http://schemas.microsoft.com/office/drawing/2014/main" val="2005719714"/>
+                    </a:ext>
+                  </a:extLst>
+                </a:gridCol>
+              </a:tblGrid>
+              <a:tr h="393571">
+                <a:tc>
+                  <a:txBody>
+                    <a:bodyPr/>
+                    <a:lstStyle/>
+                    <a:p>
+                      <a:pPr algn="ctr"/>
+                      <a:r>
+                        <a:rPr kumimoji="1" lang="en-US" altLang="ja-JP" dirty="0" smtClean="0"/>
+                        <a:t>inode</a:t>
+                      </a:r>
+                      <a:r>
+                        <a:rPr kumimoji="1" lang="ja-JP" altLang="en-US" dirty="0" smtClean="0"/>
+                        <a:t>番号</a:t>
+                      </a:r>
+                      <a:endParaRPr kumimoji="1" lang="ja-JP" altLang="en-US" dirty="0"/>
+                    </a:p>
+                  </a:txBody>
+                  <a:tcPr/>
+                </a:tc>
+                <a:tc>
+                  <a:txBody>
+                    <a:bodyPr/>
+                    <a:lstStyle/>
+                    <a:p>
+                      <a:pPr algn="ctr"/>
+                      <a:r>
+                        <a:rPr kumimoji="1" lang="ja-JP" altLang="en-US" dirty="0" smtClean="0"/>
+                        <a:t>ファイル名</a:t>
+                      </a:r>
+                      <a:endParaRPr kumimoji="1" lang="ja-JP" altLang="en-US" dirty="0"/>
+                    </a:p>
+                  </a:txBody>
+                  <a:tcPr/>
+                </a:tc>
+                <a:extLst>
+                  <a:ext uri="{0D108BD9-81ED-4DB2-BD59-A6C34878D82A}">
+                    <a16:rowId xmlns:a16="http://schemas.microsoft.com/office/drawing/2014/main" val="2587351273"/>
+                  </a:ext>
+                </a:extLst>
+              </a:tr>
+              <a:tr h="393571">
+                <a:tc>
+                  <a:txBody>
+                    <a:bodyPr/>
+                    <a:lstStyle/>
+                    <a:p>
+                      <a:pPr algn="ctr"/>
+                      <a:r>
+                        <a:rPr kumimoji="1" lang="en-US" altLang="ja-JP" dirty="0" smtClean="0"/>
+                        <a:t>10091</a:t>
+                      </a:r>
+                    </a:p>
+                  </a:txBody>
+                  <a:tcPr/>
+                </a:tc>
+                <a:tc>
+                  <a:txBody>
+                    <a:bodyPr/>
+                    <a:lstStyle/>
+                    <a:p>
+                      <a:r>
+                        <a:rPr kumimoji="1" lang="en-US" altLang="ja-JP" dirty="0" smtClean="0"/>
+                        <a:t>. (</a:t>
+                      </a:r>
+                      <a:r>
+                        <a:rPr kumimoji="1" lang="ja-JP" altLang="en-US" dirty="0" smtClean="0"/>
+                        <a:t>自分自身</a:t>
+                      </a:r>
+                      <a:r>
+                        <a:rPr kumimoji="1" lang="en-US" altLang="ja-JP" dirty="0" smtClean="0"/>
+                        <a:t>)</a:t>
+                      </a:r>
+                      <a:endParaRPr kumimoji="1" lang="en-US" altLang="ja-JP" dirty="0" smtClean="0"/>
+                    </a:p>
+                  </a:txBody>
+                  <a:tcPr/>
+                </a:tc>
+                <a:extLst>
+                  <a:ext uri="{0D108BD9-81ED-4DB2-BD59-A6C34878D82A}">
+                    <a16:rowId xmlns:a16="http://schemas.microsoft.com/office/drawing/2014/main" val="328029973"/>
+                  </a:ext>
+                </a:extLst>
+              </a:tr>
+              <a:tr h="438100">
+                <a:tc>
+                  <a:txBody>
+                    <a:bodyPr/>
+                    <a:lstStyle/>
+                    <a:p>
+                      <a:pPr algn="ctr"/>
+                      <a:r>
+                        <a:rPr kumimoji="1" lang="en-US" altLang="ja-JP" dirty="0" smtClean="0"/>
+                        <a:t>38467</a:t>
+                      </a:r>
+                      <a:endParaRPr kumimoji="1" lang="ja-JP" altLang="en-US" dirty="0"/>
+                    </a:p>
+                  </a:txBody>
+                  <a:tcPr/>
+                </a:tc>
+                <a:tc>
+                  <a:txBody>
+                    <a:bodyPr/>
+                    <a:lstStyle/>
+                    <a:p>
+                      <a:pPr marL="0" marR="0" indent="0" algn="l" defTabSz="914400" rtl="0" eaLnBrk="1" fontAlgn="auto" latinLnBrk="0" hangingPunct="1">
+                        <a:lnSpc>
+                          <a:spcPct val="100000"/>
+                        </a:lnSpc>
+                        <a:spcBef>
+                          <a:spcPts val="0"/>
+                        </a:spcBef>
+                        <a:spcAft>
+                          <a:spcPts val="0"/>
+                        </a:spcAft>
+                        <a:buClrTx/>
+                        <a:buSzTx/>
+                        <a:buFontTx/>
+                        <a:buNone/>
+                        <a:tabLst/>
+                        <a:defRPr/>
+                      </a:pPr>
+                      <a:r>
+                        <a:rPr kumimoji="1" lang="en-US" altLang="ja-JP" dirty="0" smtClean="0"/>
+                        <a:t>.. (</a:t>
+                      </a:r>
+                      <a:r>
+                        <a:rPr kumimoji="1" lang="ja-JP" altLang="en-US" dirty="0" smtClean="0"/>
+                        <a:t>親ディレクトリ</a:t>
+                      </a:r>
+                      <a:r>
+                        <a:rPr kumimoji="1" lang="en-US" altLang="ja-JP" dirty="0" smtClean="0"/>
+                        <a:t>)</a:t>
+                      </a:r>
+                      <a:endParaRPr kumimoji="1" lang="ja-JP" altLang="en-US" dirty="0" smtClean="0"/>
+                    </a:p>
+                  </a:txBody>
+                  <a:tcPr/>
+                </a:tc>
+                <a:extLst>
+                  <a:ext uri="{0D108BD9-81ED-4DB2-BD59-A6C34878D82A}">
+                    <a16:rowId xmlns:a16="http://schemas.microsoft.com/office/drawing/2014/main" val="2981603198"/>
+                  </a:ext>
+                </a:extLst>
+              </a:tr>
+              <a:tr h="393571">
+                <a:tc>
+                  <a:txBody>
+                    <a:bodyPr/>
+                    <a:lstStyle/>
+                    <a:p>
+                      <a:pPr algn="ctr"/>
+                      <a:r>
+                        <a:rPr kumimoji="1" lang="en-US" altLang="ja-JP" dirty="0" smtClean="0"/>
+                        <a:t>3414</a:t>
+                      </a:r>
+                      <a:endParaRPr kumimoji="1" lang="ja-JP" altLang="en-US" dirty="0"/>
+                    </a:p>
+                  </a:txBody>
+                  <a:tcPr/>
+                </a:tc>
+                <a:tc>
+                  <a:txBody>
+                    <a:bodyPr/>
+                    <a:lstStyle/>
+                    <a:p>
+                      <a:r>
+                        <a:rPr kumimoji="1" lang="en-US" altLang="ja-JP" dirty="0" smtClean="0"/>
+                        <a:t>test.txt</a:t>
+                      </a:r>
+                      <a:endParaRPr kumimoji="1" lang="ja-JP" altLang="en-US" dirty="0"/>
+                    </a:p>
+                  </a:txBody>
+                  <a:tcPr/>
+                </a:tc>
+                <a:extLst>
+                  <a:ext uri="{0D108BD9-81ED-4DB2-BD59-A6C34878D82A}">
+                    <a16:rowId xmlns:a16="http://schemas.microsoft.com/office/drawing/2014/main" val="1212733475"/>
+                  </a:ext>
+                </a:extLst>
+              </a:tr>
+              <a:tr h="393571">
+                <a:tc>
+                  <a:txBody>
+                    <a:bodyPr/>
+                    <a:lstStyle/>
+                    <a:p>
+                      <a:pPr algn="ctr"/>
+                      <a:r>
+                        <a:rPr kumimoji="1" lang="en-US" altLang="ja-JP" dirty="0" smtClean="0"/>
+                        <a:t>5831</a:t>
+                      </a:r>
+                      <a:endParaRPr kumimoji="1" lang="ja-JP" altLang="en-US" dirty="0"/>
+                    </a:p>
+                  </a:txBody>
+                  <a:tcPr/>
+                </a:tc>
+                <a:tc>
+                  <a:txBody>
+                    <a:bodyPr/>
+                    <a:lstStyle/>
+                    <a:p>
+                      <a:r>
+                        <a:rPr kumimoji="1" lang="en-US" altLang="ja-JP" dirty="0" smtClean="0"/>
+                        <a:t>data.dat</a:t>
+                      </a:r>
+                      <a:endParaRPr kumimoji="1" lang="ja-JP" altLang="en-US" dirty="0"/>
+                    </a:p>
+                  </a:txBody>
+                  <a:tcPr/>
+                </a:tc>
+                <a:extLst>
+                  <a:ext uri="{0D108BD9-81ED-4DB2-BD59-A6C34878D82A}">
+                    <a16:rowId xmlns:a16="http://schemas.microsoft.com/office/drawing/2014/main" val="840933992"/>
+                  </a:ext>
+                </a:extLst>
+              </a:tr>
+            </a:tbl>
+          </a:graphicData>
+        </a:graphic>
+      </p:graphicFrame>
+      <p:cxnSp>
+        <p:nvCxnSpPr>
+          <p:cNvPr id="42" name="カギ線コネクタ 41"/>
+          <p:cNvCxnSpPr>
+            <a:stCxn id="37" idx="3"/>
+            <a:endCxn id="40" idx="1"/>
+          </p:cNvCxnSpPr>
+          <p:nvPr/>
+        </p:nvCxnSpPr>
+        <p:spPr>
+          <a:xfrm>
+            <a:off x="1882296" y="4664762"/>
+            <a:ext cx="2325998" cy="635398"/>
+          </a:xfrm>
+          <a:prstGeom prst="bentConnector3">
+            <a:avLst/>
+          </a:prstGeom>
+          <a:ln w="12700">
+            <a:solidFill>
+              <a:schemeClr val="tx1"/>
+            </a:solidFill>
+            <a:tailEnd type="triangle"/>
+          </a:ln>
+        </p:spPr>
+        <p:style>
+          <a:lnRef idx="1">
+            <a:schemeClr val="accent1"/>
+          </a:lnRef>
+          <a:fillRef idx="0">
+            <a:schemeClr val="accent1"/>
+          </a:fillRef>
+          <a:effectRef idx="0">
+            <a:schemeClr val="accent1"/>
+          </a:effectRef>
+          <a:fontRef idx="minor">
+            <a:schemeClr val="tx1"/>
+          </a:fontRef>
+        </p:style>
+      </p:cxnSp>
+      <p:cxnSp>
+        <p:nvCxnSpPr>
+          <p:cNvPr id="44" name="直線コネクタ 43"/>
+          <p:cNvCxnSpPr/>
+          <p:nvPr/>
+        </p:nvCxnSpPr>
+        <p:spPr>
+          <a:xfrm>
+            <a:off x="6732240" y="1988840"/>
+            <a:ext cx="0" cy="720080"/>
+          </a:xfrm>
+          <a:prstGeom prst="line">
+            <a:avLst/>
+          </a:prstGeom>
+          <a:ln w="12700">
+            <a:solidFill>
+              <a:schemeClr val="tx1"/>
+            </a:solidFill>
+          </a:ln>
+        </p:spPr>
+        <p:style>
+          <a:lnRef idx="1">
+            <a:schemeClr val="accent1"/>
+          </a:lnRef>
+          <a:fillRef idx="0">
+            <a:schemeClr val="accent1"/>
+          </a:fillRef>
+          <a:effectRef idx="0">
+            <a:schemeClr val="accent1"/>
+          </a:effectRef>
+          <a:fontRef idx="minor">
+            <a:schemeClr val="tx1"/>
+          </a:fontRef>
+        </p:style>
+      </p:cxnSp>
+      <p:cxnSp>
+        <p:nvCxnSpPr>
+          <p:cNvPr id="47" name="直線コネクタ 46"/>
+          <p:cNvCxnSpPr/>
+          <p:nvPr/>
+        </p:nvCxnSpPr>
+        <p:spPr>
+          <a:xfrm>
+            <a:off x="7452320" y="1988840"/>
+            <a:ext cx="0" cy="720080"/>
+          </a:xfrm>
+          <a:prstGeom prst="line">
+            <a:avLst/>
+          </a:prstGeom>
+          <a:ln w="12700">
+            <a:solidFill>
+              <a:schemeClr val="tx1"/>
+            </a:solidFill>
+          </a:ln>
+        </p:spPr>
+        <p:style>
+          <a:lnRef idx="1">
+            <a:schemeClr val="accent1"/>
+          </a:lnRef>
+          <a:fillRef idx="0">
+            <a:schemeClr val="accent1"/>
+          </a:fillRef>
+          <a:effectRef idx="0">
+            <a:schemeClr val="accent1"/>
+          </a:effectRef>
+          <a:fontRef idx="minor">
+            <a:schemeClr val="tx1"/>
+          </a:fontRef>
+        </p:style>
+      </p:cxnSp>
+      <p:cxnSp>
+        <p:nvCxnSpPr>
+          <p:cNvPr id="48" name="直線コネクタ 47"/>
+          <p:cNvCxnSpPr/>
+          <p:nvPr/>
+        </p:nvCxnSpPr>
+        <p:spPr>
+          <a:xfrm>
+            <a:off x="8172400" y="1988840"/>
+            <a:ext cx="0" cy="720080"/>
+          </a:xfrm>
+          <a:prstGeom prst="line">
+            <a:avLst/>
+          </a:prstGeom>
+          <a:ln w="12700">
+            <a:solidFill>
+              <a:schemeClr val="tx1"/>
+            </a:solidFill>
+          </a:ln>
+        </p:spPr>
+        <p:style>
+          <a:lnRef idx="1">
+            <a:schemeClr val="accent1"/>
+          </a:lnRef>
+          <a:fillRef idx="0">
+            <a:schemeClr val="accent1"/>
+          </a:fillRef>
+          <a:effectRef idx="0">
+            <a:schemeClr val="accent1"/>
+          </a:effectRef>
+          <a:fontRef idx="minor">
+            <a:schemeClr val="tx1"/>
+          </a:fontRef>
+        </p:style>
+      </p:cxnSp>
+    </p:spTree>
+    <p:extLst>
+      <p:ext uri="{BB962C8B-B14F-4D97-AF65-F5344CB8AC3E}">
+        <p14:creationId xmlns:p14="http://schemas.microsoft.com/office/powerpoint/2010/main" val="2757973990"/>
+      </p:ext>
+    </p:extLst>
+  </p:cSld>
+  <p:clrMapOvr>
+    <a:masterClrMapping/>
+  </p:clrMapOvr>
+</p:sld>
+</file>
+
+<file path=ppt/slides/slide2.xml><?xml version="1.0" encoding="utf-8"?>
+<p:sld xmlns:a="http://schemas.openxmlformats.org/drawingml/2006/main" xmlns:r="http://schemas.openxmlformats.org/officeDocument/2006/relationships" xmlns:p="http://schemas.openxmlformats.org/presentationml/2006/main">
+  <p:cSld>
+    <p:spTree>
+      <p:nvGrpSpPr>
+        <p:cNvPr id="1" name=""/>
+        <p:cNvGrpSpPr/>
+        <p:nvPr/>
+      </p:nvGrpSpPr>
+      <p:grpSpPr>
+        <a:xfrm>
+          <a:off x="0" y="0"/>
+          <a:ext cx="0" cy="0"/>
+          <a:chOff x="0" y="0"/>
+          <a:chExt cx="0" cy="0"/>
+        </a:xfrm>
+      </p:grpSpPr>
+      <p:pic>
+        <p:nvPicPr>
           <p:cNvPr id="1026" name="Picture 2" descr="é»è©±å¯¾å¿ã«è¿½ãããä¼ç¤¾å¡ã®ã¤ã©ã¹ãï¼ç·æ§ï¼"/>
           <p:cNvPicPr>
             <a:picLocks noChangeAspect="1" noChangeArrowheads="1"/>

--- a/file/fig/fig.pptx
+++ b/file/fig/fig.pptx
@@ -7,6 +7,7 @@
   <p:sldIdLst>
     <p:sldId id="257" r:id="rId2"/>
     <p:sldId id="256" r:id="rId3"/>
+    <p:sldId id="258" r:id="rId4"/>
   </p:sldIdLst>
   <p:sldSz cx="9144000" cy="6858000" type="screen4x3"/>
   <p:notesSz cx="6858000" cy="9144000"/>
@@ -1655,7 +1656,6 @@
                         <a:rPr kumimoji="1" lang="en-US" altLang="ja-JP" dirty="0" smtClean="0"/>
                         <a:t>)</a:t>
                       </a:r>
-                      <a:endParaRPr kumimoji="1" lang="en-US" altLang="ja-JP" dirty="0" smtClean="0"/>
                     </a:p>
                   </a:txBody>
                   <a:tcPr/>
@@ -3226,6 +3226,118 @@
     <p:extLst>
       <p:ext uri="{BB962C8B-B14F-4D97-AF65-F5344CB8AC3E}">
         <p14:creationId xmlns:p14="http://schemas.microsoft.com/office/powerpoint/2010/main" val="977262577"/>
+      </p:ext>
+    </p:extLst>
+  </p:cSld>
+  <p:clrMapOvr>
+    <a:masterClrMapping/>
+  </p:clrMapOvr>
+</p:sld>
+</file>
+
+<file path=ppt/slides/slide3.xml><?xml version="1.0" encoding="utf-8"?>
+<p:sld xmlns:a="http://schemas.openxmlformats.org/drawingml/2006/main" xmlns:r="http://schemas.openxmlformats.org/officeDocument/2006/relationships" xmlns:p="http://schemas.openxmlformats.org/presentationml/2006/main">
+  <p:cSld>
+    <p:spTree>
+      <p:nvGrpSpPr>
+        <p:cNvPr id="1" name=""/>
+        <p:cNvGrpSpPr/>
+        <p:nvPr/>
+      </p:nvGrpSpPr>
+      <p:grpSpPr>
+        <a:xfrm>
+          <a:off x="0" y="0"/>
+          <a:ext cx="0" cy="0"/>
+          <a:chOff x="0" y="0"/>
+          <a:chExt cx="0" cy="0"/>
+        </a:xfrm>
+      </p:grpSpPr>
+      <p:pic>
+        <p:nvPicPr>
+          <p:cNvPr id="1026" name="Picture 2" descr="æ¤ç´¢ã¨ã³ã¸ã³ãä½¿ãäººã®ã¤ã©ã¹ã"/>
+          <p:cNvPicPr>
+            <a:picLocks noChangeAspect="1" noChangeArrowheads="1"/>
+          </p:cNvPicPr>
+          <p:nvPr/>
+        </p:nvPicPr>
+        <p:blipFill>
+          <a:blip r:embed="rId2">
+            <a:extLst>
+              <a:ext uri="{28A0092B-C50C-407E-A947-70E740481C1C}">
+                <a14:useLocalDpi xmlns:a14="http://schemas.microsoft.com/office/drawing/2010/main" val="0"/>
+              </a:ext>
+            </a:extLst>
+          </a:blip>
+          <a:srcRect/>
+          <a:stretch>
+            <a:fillRect/>
+          </a:stretch>
+        </p:blipFill>
+        <p:spPr bwMode="auto">
+          <a:xfrm>
+            <a:off x="395536" y="2204864"/>
+            <a:ext cx="1584176" cy="1584176"/>
+          </a:xfrm>
+          <a:prstGeom prst="rect">
+            <a:avLst/>
+          </a:prstGeom>
+          <a:noFill/>
+          <a:extLst>
+            <a:ext uri="{909E8E84-426E-40DD-AFC4-6F175D3DCCD1}">
+              <a14:hiddenFill xmlns:a14="http://schemas.microsoft.com/office/drawing/2010/main">
+                <a:solidFill>
+                  <a:srgbClr val="FFFFFF"/>
+                </a:solidFill>
+              </a14:hiddenFill>
+            </a:ext>
+          </a:extLst>
+        </p:spPr>
+      </p:pic>
+      <p:pic>
+        <p:nvPicPr>
+          <p:cNvPr id="1028" name="Picture 4" descr="ãã¡ã¤ã«ã¢ã¤ã³ã³ï¼ãã­ã¹ãï¼"/>
+          <p:cNvPicPr>
+            <a:picLocks noChangeAspect="1" noChangeArrowheads="1"/>
+          </p:cNvPicPr>
+          <p:nvPr/>
+        </p:nvPicPr>
+        <p:blipFill>
+          <a:blip r:embed="rId3">
+            <a:extLst>
+              <a:ext uri="{28A0092B-C50C-407E-A947-70E740481C1C}">
+                <a14:useLocalDpi xmlns:a14="http://schemas.microsoft.com/office/drawing/2010/main" val="0"/>
+              </a:ext>
+            </a:extLst>
+          </a:blip>
+          <a:srcRect/>
+          <a:stretch>
+            <a:fillRect/>
+          </a:stretch>
+        </p:blipFill>
+        <p:spPr bwMode="auto">
+          <a:xfrm>
+            <a:off x="3923928" y="476672"/>
+            <a:ext cx="800194" cy="929258"/>
+          </a:xfrm>
+          <a:prstGeom prst="rect">
+            <a:avLst/>
+          </a:prstGeom>
+          <a:noFill/>
+          <a:extLst>
+            <a:ext uri="{909E8E84-426E-40DD-AFC4-6F175D3DCCD1}">
+              <a14:hiddenFill xmlns:a14="http://schemas.microsoft.com/office/drawing/2010/main">
+                <a:solidFill>
+                  <a:srgbClr val="FFFFFF"/>
+                </a:solidFill>
+              </a14:hiddenFill>
+            </a:ext>
+          </a:extLst>
+        </p:spPr>
+      </p:pic>
+    </p:spTree>
+    <p:extLst>
+      <p:ext uri="{BB962C8B-B14F-4D97-AF65-F5344CB8AC3E}">
+        <p14:creationId xmlns:p14="http://schemas.microsoft.com/office/powerpoint/2010/main" val="2675780751"/>
       </p:ext>
     </p:extLst>
   </p:cSld>

--- a/file/fig/fig.pptx
+++ b/file/fig/fig.pptx
@@ -8,6 +8,7 @@
     <p:sldId id="257" r:id="rId2"/>
     <p:sldId id="256" r:id="rId3"/>
     <p:sldId id="258" r:id="rId4"/>
+    <p:sldId id="259" r:id="rId5"/>
   </p:sldIdLst>
   <p:sldSz cx="9144000" cy="6858000" type="screen4x3"/>
   <p:notesSz cx="6858000" cy="9144000"/>
@@ -3275,7 +3276,7 @@
         </p:blipFill>
         <p:spPr bwMode="auto">
           <a:xfrm>
-            <a:off x="395536" y="2204864"/>
+            <a:off x="681373" y="2599656"/>
             <a:ext cx="1584176" cy="1584176"/>
           </a:xfrm>
           <a:prstGeom prst="rect">
@@ -3302,7 +3303,7 @@
           <p:nvPr/>
         </p:nvPicPr>
         <p:blipFill>
-          <a:blip r:embed="rId3">
+          <a:blip r:embed="rId3" cstate="print">
             <a:extLst>
               <a:ext uri="{28A0092B-C50C-407E-A947-70E740481C1C}">
                 <a14:useLocalDpi xmlns:a14="http://schemas.microsoft.com/office/drawing/2010/main" val="0"/>
@@ -3316,8 +3317,8 @@
         </p:blipFill>
         <p:spPr bwMode="auto">
           <a:xfrm>
-            <a:off x="3923928" y="476672"/>
-            <a:ext cx="800194" cy="929258"/>
+            <a:off x="7250925" y="921131"/>
+            <a:ext cx="548567" cy="637046"/>
           </a:xfrm>
           <a:prstGeom prst="rect">
             <a:avLst/>
@@ -3334,10 +3335,1919 @@
           </a:extLst>
         </p:spPr>
       </p:pic>
+      <p:pic>
+        <p:nvPicPr>
+          <p:cNvPr id="6" name="Picture 6" descr="ãµã¼ãã¼ã®ã¤ã©ã¹ã"/>
+          <p:cNvPicPr>
+            <a:picLocks noChangeAspect="1" noChangeArrowheads="1"/>
+          </p:cNvPicPr>
+          <p:nvPr/>
+        </p:nvPicPr>
+        <p:blipFill>
+          <a:blip r:embed="rId4" cstate="print">
+            <a:extLst>
+              <a:ext uri="{28A0092B-C50C-407E-A947-70E740481C1C}">
+                <a14:useLocalDpi xmlns:a14="http://schemas.microsoft.com/office/drawing/2010/main" val="0"/>
+              </a:ext>
+            </a:extLst>
+          </a:blip>
+          <a:srcRect/>
+          <a:stretch>
+            <a:fillRect/>
+          </a:stretch>
+        </p:blipFill>
+        <p:spPr bwMode="auto">
+          <a:xfrm>
+            <a:off x="867414" y="5192336"/>
+            <a:ext cx="1248073" cy="1163828"/>
+          </a:xfrm>
+          <a:prstGeom prst="rect">
+            <a:avLst/>
+          </a:prstGeom>
+          <a:noFill/>
+          <a:extLst>
+            <a:ext uri="{909E8E84-426E-40DD-AFC4-6F175D3DCCD1}">
+              <a14:hiddenFill xmlns:a14="http://schemas.microsoft.com/office/drawing/2010/main">
+                <a:solidFill>
+                  <a:srgbClr val="FFFFFF"/>
+                </a:solidFill>
+              </a14:hiddenFill>
+            </a:ext>
+          </a:extLst>
+        </p:spPr>
+      </p:pic>
+      <p:sp>
+        <p:nvSpPr>
+          <p:cNvPr id="3" name="テキスト ボックス 2"/>
+          <p:cNvSpPr txBox="1"/>
+          <p:nvPr/>
+        </p:nvSpPr>
+        <p:spPr>
+          <a:xfrm>
+            <a:off x="681373" y="4837958"/>
+            <a:ext cx="1944216" cy="369332"/>
+          </a:xfrm>
+          <a:prstGeom prst="rect">
+            <a:avLst/>
+          </a:prstGeom>
+          <a:noFill/>
+        </p:spPr>
+        <p:txBody>
+          <a:bodyPr wrap="square" rtlCol="0">
+            <a:spAutoFit/>
+          </a:bodyPr>
+          <a:lstStyle/>
+          <a:p>
+            <a:r>
+              <a:rPr kumimoji="1" lang="en-US" altLang="ja-JP" dirty="0" smtClean="0"/>
+              <a:t>GitHub</a:t>
+            </a:r>
+            <a:r>
+              <a:rPr kumimoji="1" lang="ja-JP" altLang="en-US" dirty="0" smtClean="0"/>
+              <a:t>のサーバ</a:t>
+            </a:r>
+            <a:endParaRPr kumimoji="1" lang="ja-JP" altLang="en-US" dirty="0"/>
+          </a:p>
+        </p:txBody>
+      </p:sp>
+      <p:sp>
+        <p:nvSpPr>
+          <p:cNvPr id="4" name="角丸四角形 3"/>
+          <p:cNvSpPr/>
+          <p:nvPr/>
+        </p:nvSpPr>
+        <p:spPr>
+          <a:xfrm>
+            <a:off x="6992209" y="686634"/>
+            <a:ext cx="1180191" cy="1158190"/>
+          </a:xfrm>
+          <a:prstGeom prst="roundRect">
+            <a:avLst/>
+          </a:prstGeom>
+          <a:noFill/>
+          <a:ln>
+            <a:solidFill>
+              <a:schemeClr val="tx1"/>
+            </a:solidFill>
+            <a:prstDash val="dash"/>
+          </a:ln>
+        </p:spPr>
+        <p:style>
+          <a:lnRef idx="2">
+            <a:schemeClr val="accent1">
+              <a:shade val="50000"/>
+            </a:schemeClr>
+          </a:lnRef>
+          <a:fillRef idx="1">
+            <a:schemeClr val="accent1"/>
+          </a:fillRef>
+          <a:effectRef idx="0">
+            <a:schemeClr val="accent1"/>
+          </a:effectRef>
+          <a:fontRef idx="minor">
+            <a:schemeClr val="lt1"/>
+          </a:fontRef>
+        </p:style>
+        <p:txBody>
+          <a:bodyPr rtlCol="0" anchor="ctr"/>
+          <a:lstStyle/>
+          <a:p>
+            <a:pPr algn="ctr"/>
+            <a:endParaRPr kumimoji="1" lang="ja-JP" altLang="en-US"/>
+          </a:p>
+        </p:txBody>
+      </p:sp>
+      <p:sp>
+        <p:nvSpPr>
+          <p:cNvPr id="7" name="テキスト ボックス 6"/>
+          <p:cNvSpPr txBox="1"/>
+          <p:nvPr/>
+        </p:nvSpPr>
+        <p:spPr>
+          <a:xfrm>
+            <a:off x="6747893" y="-35552"/>
+            <a:ext cx="2031325" cy="646331"/>
+          </a:xfrm>
+          <a:prstGeom prst="rect">
+            <a:avLst/>
+          </a:prstGeom>
+          <a:noFill/>
+        </p:spPr>
+        <p:txBody>
+          <a:bodyPr wrap="none" rtlCol="0">
+            <a:spAutoFit/>
+          </a:bodyPr>
+          <a:lstStyle/>
+          <a:p>
+            <a:r>
+              <a:rPr kumimoji="1" lang="en-US" altLang="ja-JP" dirty="0" smtClean="0"/>
+              <a:t>GitHub</a:t>
+            </a:r>
+            <a:r>
+              <a:rPr lang="ja-JP" altLang="en-US" dirty="0" smtClean="0"/>
+              <a:t>サーバに</a:t>
+            </a:r>
+            <a:endParaRPr lang="en-US" altLang="ja-JP" dirty="0" smtClean="0"/>
+          </a:p>
+          <a:p>
+            <a:r>
+              <a:rPr lang="ja-JP" altLang="en-US" dirty="0" smtClean="0"/>
+              <a:t>とってのローカル</a:t>
+            </a:r>
+            <a:endParaRPr kumimoji="1" lang="en-US" altLang="ja-JP" dirty="0" smtClean="0"/>
+          </a:p>
+        </p:txBody>
+      </p:sp>
+      <p:sp>
+        <p:nvSpPr>
+          <p:cNvPr id="8" name="テキスト ボックス 7"/>
+          <p:cNvSpPr txBox="1"/>
+          <p:nvPr/>
+        </p:nvSpPr>
+        <p:spPr>
+          <a:xfrm>
+            <a:off x="904507" y="4349334"/>
+            <a:ext cx="877163" cy="369332"/>
+          </a:xfrm>
+          <a:prstGeom prst="rect">
+            <a:avLst/>
+          </a:prstGeom>
+          <a:noFill/>
+        </p:spPr>
+        <p:txBody>
+          <a:bodyPr wrap="none" rtlCol="0">
+            <a:spAutoFit/>
+          </a:bodyPr>
+          <a:lstStyle/>
+          <a:p>
+            <a:r>
+              <a:rPr lang="ja-JP" altLang="en-US" dirty="0" smtClean="0"/>
+              <a:t>あな</a:t>
+            </a:r>
+            <a:r>
+              <a:rPr lang="ja-JP" altLang="en-US" dirty="0"/>
+              <a:t>た</a:t>
+            </a:r>
+            <a:endParaRPr kumimoji="1" lang="ja-JP" altLang="en-US" dirty="0"/>
+          </a:p>
+        </p:txBody>
+      </p:sp>
+      <p:pic>
+        <p:nvPicPr>
+          <p:cNvPr id="12" name="Picture 4" descr="ãã¡ã¤ã«ã¢ã¤ã³ã³ï¼ãã­ã¹ãï¼"/>
+          <p:cNvPicPr>
+            <a:picLocks noChangeAspect="1" noChangeArrowheads="1"/>
+          </p:cNvPicPr>
+          <p:nvPr/>
+        </p:nvPicPr>
+        <p:blipFill>
+          <a:blip r:embed="rId3" cstate="print">
+            <a:extLst>
+              <a:ext uri="{28A0092B-C50C-407E-A947-70E740481C1C}">
+                <a14:useLocalDpi xmlns:a14="http://schemas.microsoft.com/office/drawing/2010/main" val="0"/>
+              </a:ext>
+            </a:extLst>
+          </a:blip>
+          <a:srcRect/>
+          <a:stretch>
+            <a:fillRect/>
+          </a:stretch>
+        </p:blipFill>
+        <p:spPr bwMode="auto">
+          <a:xfrm>
+            <a:off x="7250925" y="3914265"/>
+            <a:ext cx="548567" cy="637046"/>
+          </a:xfrm>
+          <a:prstGeom prst="rect">
+            <a:avLst/>
+          </a:prstGeom>
+          <a:noFill/>
+          <a:extLst>
+            <a:ext uri="{909E8E84-426E-40DD-AFC4-6F175D3DCCD1}">
+              <a14:hiddenFill xmlns:a14="http://schemas.microsoft.com/office/drawing/2010/main">
+                <a:solidFill>
+                  <a:srgbClr val="FFFFFF"/>
+                </a:solidFill>
+              </a14:hiddenFill>
+            </a:ext>
+          </a:extLst>
+        </p:spPr>
+      </p:pic>
+      <p:pic>
+        <p:nvPicPr>
+          <p:cNvPr id="13" name="Picture 6" descr="ãµã¼ãã¼ã®ã¤ã©ã¹ã"/>
+          <p:cNvPicPr>
+            <a:picLocks noChangeAspect="1" noChangeArrowheads="1"/>
+          </p:cNvPicPr>
+          <p:nvPr/>
+        </p:nvPicPr>
+        <p:blipFill>
+          <a:blip r:embed="rId4" cstate="print">
+            <a:extLst>
+              <a:ext uri="{28A0092B-C50C-407E-A947-70E740481C1C}">
+                <a14:useLocalDpi xmlns:a14="http://schemas.microsoft.com/office/drawing/2010/main" val="0"/>
+              </a:ext>
+            </a:extLst>
+          </a:blip>
+          <a:srcRect/>
+          <a:stretch>
+            <a:fillRect/>
+          </a:stretch>
+        </p:blipFill>
+        <p:spPr bwMode="auto">
+          <a:xfrm>
+            <a:off x="4830929" y="3431253"/>
+            <a:ext cx="1248073" cy="1163828"/>
+          </a:xfrm>
+          <a:prstGeom prst="rect">
+            <a:avLst/>
+          </a:prstGeom>
+          <a:noFill/>
+          <a:extLst>
+            <a:ext uri="{909E8E84-426E-40DD-AFC4-6F175D3DCCD1}">
+              <a14:hiddenFill xmlns:a14="http://schemas.microsoft.com/office/drawing/2010/main">
+                <a:solidFill>
+                  <a:srgbClr val="FFFFFF"/>
+                </a:solidFill>
+              </a14:hiddenFill>
+            </a:ext>
+          </a:extLst>
+        </p:spPr>
+      </p:pic>
+      <p:sp>
+        <p:nvSpPr>
+          <p:cNvPr id="14" name="テキスト ボックス 13"/>
+          <p:cNvSpPr txBox="1"/>
+          <p:nvPr/>
+        </p:nvSpPr>
+        <p:spPr>
+          <a:xfrm>
+            <a:off x="4644888" y="3076875"/>
+            <a:ext cx="1944216" cy="369332"/>
+          </a:xfrm>
+          <a:prstGeom prst="rect">
+            <a:avLst/>
+          </a:prstGeom>
+          <a:noFill/>
+        </p:spPr>
+        <p:txBody>
+          <a:bodyPr wrap="square" rtlCol="0">
+            <a:spAutoFit/>
+          </a:bodyPr>
+          <a:lstStyle/>
+          <a:p>
+            <a:r>
+              <a:rPr kumimoji="1" lang="en-US" altLang="ja-JP" dirty="0" smtClean="0"/>
+              <a:t>GitHub</a:t>
+            </a:r>
+            <a:r>
+              <a:rPr kumimoji="1" lang="ja-JP" altLang="en-US" dirty="0" smtClean="0"/>
+              <a:t>のサーバ</a:t>
+            </a:r>
+            <a:endParaRPr kumimoji="1" lang="ja-JP" altLang="en-US" dirty="0"/>
+          </a:p>
+        </p:txBody>
+      </p:sp>
+      <p:sp>
+        <p:nvSpPr>
+          <p:cNvPr id="15" name="角丸四角形 14"/>
+          <p:cNvSpPr/>
+          <p:nvPr/>
+        </p:nvSpPr>
+        <p:spPr>
+          <a:xfrm>
+            <a:off x="6992209" y="3679768"/>
+            <a:ext cx="1180191" cy="1158190"/>
+          </a:xfrm>
+          <a:prstGeom prst="roundRect">
+            <a:avLst/>
+          </a:prstGeom>
+          <a:noFill/>
+          <a:ln>
+            <a:solidFill>
+              <a:schemeClr val="tx1"/>
+            </a:solidFill>
+            <a:prstDash val="dash"/>
+          </a:ln>
+        </p:spPr>
+        <p:style>
+          <a:lnRef idx="2">
+            <a:schemeClr val="accent1">
+              <a:shade val="50000"/>
+            </a:schemeClr>
+          </a:lnRef>
+          <a:fillRef idx="1">
+            <a:schemeClr val="accent1"/>
+          </a:fillRef>
+          <a:effectRef idx="0">
+            <a:schemeClr val="accent1"/>
+          </a:effectRef>
+          <a:fontRef idx="minor">
+            <a:schemeClr val="lt1"/>
+          </a:fontRef>
+        </p:style>
+        <p:txBody>
+          <a:bodyPr rtlCol="0" anchor="ctr"/>
+          <a:lstStyle/>
+          <a:p>
+            <a:pPr algn="ctr"/>
+            <a:endParaRPr kumimoji="1" lang="ja-JP" altLang="en-US"/>
+          </a:p>
+        </p:txBody>
+      </p:sp>
+      <p:sp>
+        <p:nvSpPr>
+          <p:cNvPr id="16" name="テキスト ボックス 15"/>
+          <p:cNvSpPr txBox="1"/>
+          <p:nvPr/>
+        </p:nvSpPr>
+        <p:spPr>
+          <a:xfrm>
+            <a:off x="6747893" y="2957582"/>
+            <a:ext cx="2031325" cy="646331"/>
+          </a:xfrm>
+          <a:prstGeom prst="rect">
+            <a:avLst/>
+          </a:prstGeom>
+          <a:noFill/>
+        </p:spPr>
+        <p:txBody>
+          <a:bodyPr wrap="none" rtlCol="0">
+            <a:spAutoFit/>
+          </a:bodyPr>
+          <a:lstStyle/>
+          <a:p>
+            <a:r>
+              <a:rPr kumimoji="1" lang="en-US" altLang="ja-JP" dirty="0" smtClean="0"/>
+              <a:t>GitHub</a:t>
+            </a:r>
+            <a:r>
+              <a:rPr lang="ja-JP" altLang="en-US" dirty="0" smtClean="0"/>
+              <a:t>サーバに</a:t>
+            </a:r>
+            <a:endParaRPr lang="en-US" altLang="ja-JP" dirty="0" smtClean="0"/>
+          </a:p>
+          <a:p>
+            <a:r>
+              <a:rPr lang="ja-JP" altLang="en-US" dirty="0" smtClean="0"/>
+              <a:t>とってのローカル</a:t>
+            </a:r>
+            <a:endParaRPr kumimoji="1" lang="en-US" altLang="ja-JP" dirty="0" smtClean="0"/>
+          </a:p>
+        </p:txBody>
+      </p:sp>
+      <p:sp>
+        <p:nvSpPr>
+          <p:cNvPr id="22" name="角丸四角形 21"/>
+          <p:cNvSpPr/>
+          <p:nvPr/>
+        </p:nvSpPr>
+        <p:spPr>
+          <a:xfrm>
+            <a:off x="354736" y="2156152"/>
+            <a:ext cx="504056" cy="490103"/>
+          </a:xfrm>
+          <a:prstGeom prst="roundRect">
+            <a:avLst/>
+          </a:prstGeom>
+          <a:solidFill>
+            <a:schemeClr val="bg1">
+              <a:lumMod val="85000"/>
+            </a:schemeClr>
+          </a:solidFill>
+          <a:ln>
+            <a:noFill/>
+          </a:ln>
+        </p:spPr>
+        <p:style>
+          <a:lnRef idx="2">
+            <a:schemeClr val="accent1">
+              <a:shade val="50000"/>
+            </a:schemeClr>
+          </a:lnRef>
+          <a:fillRef idx="1">
+            <a:schemeClr val="accent1"/>
+          </a:fillRef>
+          <a:effectRef idx="0">
+            <a:schemeClr val="accent1"/>
+          </a:effectRef>
+          <a:fontRef idx="minor">
+            <a:schemeClr val="lt1"/>
+          </a:fontRef>
+        </p:style>
+        <p:txBody>
+          <a:bodyPr rtlCol="0" anchor="ctr"/>
+          <a:lstStyle/>
+          <a:p>
+            <a:pPr algn="ctr"/>
+            <a:endParaRPr kumimoji="1" lang="ja-JP" altLang="en-US"/>
+          </a:p>
+        </p:txBody>
+      </p:sp>
+      <p:sp>
+        <p:nvSpPr>
+          <p:cNvPr id="23" name="正方形/長方形 22"/>
+          <p:cNvSpPr/>
+          <p:nvPr/>
+        </p:nvSpPr>
+        <p:spPr>
+          <a:xfrm>
+            <a:off x="796790" y="2156152"/>
+            <a:ext cx="5951103" cy="490103"/>
+          </a:xfrm>
+          <a:prstGeom prst="rect">
+            <a:avLst/>
+          </a:prstGeom>
+          <a:solidFill>
+            <a:schemeClr val="bg1">
+              <a:lumMod val="95000"/>
+            </a:schemeClr>
+          </a:solidFill>
+          <a:ln>
+            <a:noFill/>
+          </a:ln>
+        </p:spPr>
+        <p:style>
+          <a:lnRef idx="2">
+            <a:schemeClr val="accent1">
+              <a:shade val="50000"/>
+            </a:schemeClr>
+          </a:lnRef>
+          <a:fillRef idx="1">
+            <a:schemeClr val="accent1"/>
+          </a:fillRef>
+          <a:effectRef idx="0">
+            <a:schemeClr val="accent1"/>
+          </a:effectRef>
+          <a:fontRef idx="minor">
+            <a:schemeClr val="lt1"/>
+          </a:fontRef>
+        </p:style>
+        <p:txBody>
+          <a:bodyPr rtlCol="0" anchor="ctr"/>
+          <a:lstStyle/>
+          <a:p>
+            <a:pPr algn="ctr"/>
+            <a:endParaRPr kumimoji="1" lang="ja-JP" altLang="en-US"/>
+          </a:p>
+        </p:txBody>
+      </p:sp>
+      <p:grpSp>
+        <p:nvGrpSpPr>
+          <p:cNvPr id="27" name="グループ化 26"/>
+          <p:cNvGrpSpPr/>
+          <p:nvPr/>
+        </p:nvGrpSpPr>
+        <p:grpSpPr>
+          <a:xfrm>
+            <a:off x="436158" y="2266600"/>
+            <a:ext cx="269205" cy="269205"/>
+            <a:chOff x="245286" y="4918353"/>
+            <a:chExt cx="958920" cy="958920"/>
+          </a:xfrm>
+        </p:grpSpPr>
+        <p:sp>
+          <p:nvSpPr>
+            <p:cNvPr id="24" name="楕円 23"/>
+            <p:cNvSpPr/>
+            <p:nvPr/>
+          </p:nvSpPr>
+          <p:spPr>
+            <a:xfrm>
+              <a:off x="245286" y="4918353"/>
+              <a:ext cx="958920" cy="958920"/>
+            </a:xfrm>
+            <a:prstGeom prst="ellipse">
+              <a:avLst/>
+            </a:prstGeom>
+            <a:solidFill>
+              <a:schemeClr val="tx1">
+                <a:lumMod val="85000"/>
+                <a:lumOff val="15000"/>
+              </a:schemeClr>
+            </a:solidFill>
+            <a:ln>
+              <a:noFill/>
+            </a:ln>
+          </p:spPr>
+          <p:style>
+            <a:lnRef idx="2">
+              <a:schemeClr val="accent1">
+                <a:shade val="50000"/>
+              </a:schemeClr>
+            </a:lnRef>
+            <a:fillRef idx="1">
+              <a:schemeClr val="accent1"/>
+            </a:fillRef>
+            <a:effectRef idx="0">
+              <a:schemeClr val="accent1"/>
+            </a:effectRef>
+            <a:fontRef idx="minor">
+              <a:schemeClr val="lt1"/>
+            </a:fontRef>
+          </p:style>
+          <p:txBody>
+            <a:bodyPr rtlCol="0" anchor="ctr"/>
+            <a:lstStyle/>
+            <a:p>
+              <a:pPr algn="ctr"/>
+              <a:endParaRPr kumimoji="1" lang="ja-JP" altLang="en-US"/>
+            </a:p>
+          </p:txBody>
+        </p:sp>
+        <p:sp>
+          <p:nvSpPr>
+            <p:cNvPr id="25" name="二等辺三角形 24"/>
+            <p:cNvSpPr/>
+            <p:nvPr/>
+          </p:nvSpPr>
+          <p:spPr>
+            <a:xfrm rot="5400000">
+              <a:off x="524954" y="5197492"/>
+              <a:ext cx="492649" cy="400642"/>
+            </a:xfrm>
+            <a:prstGeom prst="triangle">
+              <a:avLst/>
+            </a:prstGeom>
+            <a:solidFill>
+              <a:schemeClr val="bg1">
+                <a:lumMod val="85000"/>
+              </a:schemeClr>
+            </a:solidFill>
+            <a:ln>
+              <a:noFill/>
+            </a:ln>
+          </p:spPr>
+          <p:style>
+            <a:lnRef idx="2">
+              <a:schemeClr val="accent1">
+                <a:shade val="50000"/>
+              </a:schemeClr>
+            </a:lnRef>
+            <a:fillRef idx="1">
+              <a:schemeClr val="accent1"/>
+            </a:fillRef>
+            <a:effectRef idx="0">
+              <a:schemeClr val="accent1"/>
+            </a:effectRef>
+            <a:fontRef idx="minor">
+              <a:schemeClr val="lt1"/>
+            </a:fontRef>
+          </p:style>
+          <p:txBody>
+            <a:bodyPr rtlCol="0" anchor="ctr"/>
+            <a:lstStyle/>
+            <a:p>
+              <a:pPr algn="ctr"/>
+              <a:endParaRPr kumimoji="1" lang="ja-JP" altLang="en-US"/>
+            </a:p>
+          </p:txBody>
+        </p:sp>
+      </p:grpSp>
+      <p:sp>
+        <p:nvSpPr>
+          <p:cNvPr id="28" name="正方形/長方形 27"/>
+          <p:cNvSpPr/>
+          <p:nvPr/>
+        </p:nvSpPr>
+        <p:spPr>
+          <a:xfrm>
+            <a:off x="796791" y="2258806"/>
+            <a:ext cx="6029270" cy="276999"/>
+          </a:xfrm>
+          <a:prstGeom prst="rect">
+            <a:avLst/>
+          </a:prstGeom>
+        </p:spPr>
+        <p:txBody>
+          <a:bodyPr wrap="square">
+            <a:spAutoFit/>
+          </a:bodyPr>
+          <a:lstStyle/>
+          <a:p>
+            <a:r>
+              <a:rPr lang="en-US" altLang="ja-JP" sz="1200" dirty="0">
+                <a:solidFill>
+                  <a:srgbClr val="0000FF"/>
+                </a:solidFill>
+                <a:latin typeface="Courier New" panose="02070309020205020404" pitchFamily="49" charset="0"/>
+              </a:rPr>
+              <a:t>!</a:t>
+            </a:r>
+            <a:r>
+              <a:rPr lang="en-US" altLang="ja-JP" sz="1200" dirty="0" err="1">
+                <a:solidFill>
+                  <a:srgbClr val="000000"/>
+                </a:solidFill>
+                <a:latin typeface="Courier New" panose="02070309020205020404" pitchFamily="49" charset="0"/>
+              </a:rPr>
+              <a:t>wget</a:t>
+            </a:r>
+            <a:r>
+              <a:rPr lang="en-US" altLang="ja-JP" sz="1200" dirty="0">
+                <a:solidFill>
+                  <a:srgbClr val="000000"/>
+                </a:solidFill>
+                <a:latin typeface="Courier New" panose="02070309020205020404" pitchFamily="49" charset="0"/>
+              </a:rPr>
+              <a:t> </a:t>
+            </a:r>
+            <a:r>
+              <a:rPr lang="en-US" altLang="ja-JP" sz="1200" u="sng" dirty="0">
+                <a:solidFill>
+                  <a:srgbClr val="000000"/>
+                </a:solidFill>
+                <a:latin typeface="Courier New" panose="02070309020205020404" pitchFamily="49" charset="0"/>
+              </a:rPr>
+              <a:t>https://kaityo256.github.io/python_zero/file/colortv.csv </a:t>
+            </a:r>
+            <a:endParaRPr lang="en-US" altLang="ja-JP" sz="1200" b="0" u="sng" dirty="0">
+              <a:solidFill>
+                <a:srgbClr val="000000"/>
+              </a:solidFill>
+              <a:effectLst/>
+              <a:latin typeface="Courier New" panose="02070309020205020404" pitchFamily="49" charset="0"/>
+            </a:endParaRPr>
+          </a:p>
+        </p:txBody>
+      </p:sp>
+      <p:sp>
+        <p:nvSpPr>
+          <p:cNvPr id="29" name="テキスト ボックス 28"/>
+          <p:cNvSpPr txBox="1"/>
+          <p:nvPr/>
+        </p:nvSpPr>
+        <p:spPr>
+          <a:xfrm>
+            <a:off x="904507" y="1599179"/>
+            <a:ext cx="3416320" cy="369332"/>
+          </a:xfrm>
+          <a:prstGeom prst="rect">
+            <a:avLst/>
+          </a:prstGeom>
+          <a:noFill/>
+        </p:spPr>
+        <p:txBody>
+          <a:bodyPr wrap="none" rtlCol="0">
+            <a:spAutoFit/>
+          </a:bodyPr>
+          <a:lstStyle/>
+          <a:p>
+            <a:r>
+              <a:rPr lang="ja-JP" altLang="en-US" dirty="0" smtClean="0"/>
+              <a:t>ブラウザでダウンロードを実行</a:t>
+            </a:r>
+            <a:endParaRPr kumimoji="1" lang="ja-JP" altLang="en-US" dirty="0"/>
+          </a:p>
+        </p:txBody>
+      </p:sp>
+      <p:cxnSp>
+        <p:nvCxnSpPr>
+          <p:cNvPr id="31" name="カギ線コネクタ 30"/>
+          <p:cNvCxnSpPr>
+            <a:stCxn id="1028" idx="3"/>
+            <a:endCxn id="12" idx="3"/>
+          </p:cNvCxnSpPr>
+          <p:nvPr/>
+        </p:nvCxnSpPr>
+        <p:spPr>
+          <a:xfrm>
+            <a:off x="7799492" y="1239654"/>
+            <a:ext cx="12700" cy="2993134"/>
+          </a:xfrm>
+          <a:prstGeom prst="bentConnector3">
+            <a:avLst>
+              <a:gd name="adj1" fmla="val 8127268"/>
+            </a:avLst>
+          </a:prstGeom>
+          <a:ln w="12700">
+            <a:solidFill>
+              <a:schemeClr val="tx1"/>
+            </a:solidFill>
+            <a:tailEnd type="triangle"/>
+          </a:ln>
+        </p:spPr>
+        <p:style>
+          <a:lnRef idx="1">
+            <a:schemeClr val="accent1"/>
+          </a:lnRef>
+          <a:fillRef idx="0">
+            <a:schemeClr val="accent1"/>
+          </a:fillRef>
+          <a:effectRef idx="0">
+            <a:schemeClr val="accent1"/>
+          </a:effectRef>
+          <a:fontRef idx="minor">
+            <a:schemeClr val="tx1"/>
+          </a:fontRef>
+        </p:style>
+      </p:cxnSp>
     </p:spTree>
     <p:extLst>
       <p:ext uri="{BB962C8B-B14F-4D97-AF65-F5344CB8AC3E}">
         <p14:creationId xmlns:p14="http://schemas.microsoft.com/office/powerpoint/2010/main" val="2675780751"/>
+      </p:ext>
+    </p:extLst>
+  </p:cSld>
+  <p:clrMapOvr>
+    <a:masterClrMapping/>
+  </p:clrMapOvr>
+</p:sld>
+</file>
+
+<file path=ppt/slides/slide4.xml><?xml version="1.0" encoding="utf-8"?>
+<p:sld xmlns:a="http://schemas.openxmlformats.org/drawingml/2006/main" xmlns:r="http://schemas.openxmlformats.org/officeDocument/2006/relationships" xmlns:p="http://schemas.openxmlformats.org/presentationml/2006/main">
+  <p:cSld>
+    <p:spTree>
+      <p:nvGrpSpPr>
+        <p:cNvPr id="1" name=""/>
+        <p:cNvGrpSpPr/>
+        <p:nvPr/>
+      </p:nvGrpSpPr>
+      <p:grpSpPr>
+        <a:xfrm>
+          <a:off x="0" y="0"/>
+          <a:ext cx="0" cy="0"/>
+          <a:chOff x="0" y="0"/>
+          <a:chExt cx="0" cy="0"/>
+        </a:xfrm>
+      </p:grpSpPr>
+      <p:sp>
+        <p:nvSpPr>
+          <p:cNvPr id="2" name="角丸四角形 1"/>
+          <p:cNvSpPr/>
+          <p:nvPr/>
+        </p:nvSpPr>
+        <p:spPr>
+          <a:xfrm>
+            <a:off x="151536" y="1103206"/>
+            <a:ext cx="504056" cy="490103"/>
+          </a:xfrm>
+          <a:prstGeom prst="roundRect">
+            <a:avLst/>
+          </a:prstGeom>
+          <a:solidFill>
+            <a:schemeClr val="bg1">
+              <a:lumMod val="85000"/>
+            </a:schemeClr>
+          </a:solidFill>
+          <a:ln>
+            <a:noFill/>
+          </a:ln>
+        </p:spPr>
+        <p:style>
+          <a:lnRef idx="2">
+            <a:schemeClr val="accent1">
+              <a:shade val="50000"/>
+            </a:schemeClr>
+          </a:lnRef>
+          <a:fillRef idx="1">
+            <a:schemeClr val="accent1"/>
+          </a:fillRef>
+          <a:effectRef idx="0">
+            <a:schemeClr val="accent1"/>
+          </a:effectRef>
+          <a:fontRef idx="minor">
+            <a:schemeClr val="lt1"/>
+          </a:fontRef>
+        </p:style>
+        <p:txBody>
+          <a:bodyPr rtlCol="0" anchor="ctr"/>
+          <a:lstStyle/>
+          <a:p>
+            <a:pPr algn="ctr"/>
+            <a:endParaRPr kumimoji="1" lang="ja-JP" altLang="en-US"/>
+          </a:p>
+        </p:txBody>
+      </p:sp>
+      <p:sp>
+        <p:nvSpPr>
+          <p:cNvPr id="3" name="正方形/長方形 2"/>
+          <p:cNvSpPr/>
+          <p:nvPr/>
+        </p:nvSpPr>
+        <p:spPr>
+          <a:xfrm>
+            <a:off x="593590" y="1103206"/>
+            <a:ext cx="5951103" cy="490103"/>
+          </a:xfrm>
+          <a:prstGeom prst="rect">
+            <a:avLst/>
+          </a:prstGeom>
+          <a:solidFill>
+            <a:schemeClr val="bg1">
+              <a:lumMod val="95000"/>
+            </a:schemeClr>
+          </a:solidFill>
+          <a:ln>
+            <a:noFill/>
+          </a:ln>
+        </p:spPr>
+        <p:style>
+          <a:lnRef idx="2">
+            <a:schemeClr val="accent1">
+              <a:shade val="50000"/>
+            </a:schemeClr>
+          </a:lnRef>
+          <a:fillRef idx="1">
+            <a:schemeClr val="accent1"/>
+          </a:fillRef>
+          <a:effectRef idx="0">
+            <a:schemeClr val="accent1"/>
+          </a:effectRef>
+          <a:fontRef idx="minor">
+            <a:schemeClr val="lt1"/>
+          </a:fontRef>
+        </p:style>
+        <p:txBody>
+          <a:bodyPr rtlCol="0" anchor="ctr"/>
+          <a:lstStyle/>
+          <a:p>
+            <a:pPr algn="ctr"/>
+            <a:endParaRPr kumimoji="1" lang="ja-JP" altLang="en-US"/>
+          </a:p>
+        </p:txBody>
+      </p:sp>
+      <p:grpSp>
+        <p:nvGrpSpPr>
+          <p:cNvPr id="4" name="グループ化 3"/>
+          <p:cNvGrpSpPr/>
+          <p:nvPr/>
+        </p:nvGrpSpPr>
+        <p:grpSpPr>
+          <a:xfrm>
+            <a:off x="232958" y="1213654"/>
+            <a:ext cx="269205" cy="269205"/>
+            <a:chOff x="245286" y="4918353"/>
+            <a:chExt cx="958920" cy="958920"/>
+          </a:xfrm>
+        </p:grpSpPr>
+        <p:sp>
+          <p:nvSpPr>
+            <p:cNvPr id="5" name="楕円 4"/>
+            <p:cNvSpPr/>
+            <p:nvPr/>
+          </p:nvSpPr>
+          <p:spPr>
+            <a:xfrm>
+              <a:off x="245286" y="4918353"/>
+              <a:ext cx="958920" cy="958920"/>
+            </a:xfrm>
+            <a:prstGeom prst="ellipse">
+              <a:avLst/>
+            </a:prstGeom>
+            <a:solidFill>
+              <a:schemeClr val="tx1">
+                <a:lumMod val="85000"/>
+                <a:lumOff val="15000"/>
+              </a:schemeClr>
+            </a:solidFill>
+            <a:ln>
+              <a:noFill/>
+            </a:ln>
+          </p:spPr>
+          <p:style>
+            <a:lnRef idx="2">
+              <a:schemeClr val="accent1">
+                <a:shade val="50000"/>
+              </a:schemeClr>
+            </a:lnRef>
+            <a:fillRef idx="1">
+              <a:schemeClr val="accent1"/>
+            </a:fillRef>
+            <a:effectRef idx="0">
+              <a:schemeClr val="accent1"/>
+            </a:effectRef>
+            <a:fontRef idx="minor">
+              <a:schemeClr val="lt1"/>
+            </a:fontRef>
+          </p:style>
+          <p:txBody>
+            <a:bodyPr rtlCol="0" anchor="ctr"/>
+            <a:lstStyle/>
+            <a:p>
+              <a:pPr algn="ctr"/>
+              <a:endParaRPr kumimoji="1" lang="ja-JP" altLang="en-US"/>
+            </a:p>
+          </p:txBody>
+        </p:sp>
+        <p:sp>
+          <p:nvSpPr>
+            <p:cNvPr id="6" name="二等辺三角形 5"/>
+            <p:cNvSpPr/>
+            <p:nvPr/>
+          </p:nvSpPr>
+          <p:spPr>
+            <a:xfrm rot="5400000">
+              <a:off x="524954" y="5197492"/>
+              <a:ext cx="492649" cy="400642"/>
+            </a:xfrm>
+            <a:prstGeom prst="triangle">
+              <a:avLst/>
+            </a:prstGeom>
+            <a:solidFill>
+              <a:schemeClr val="bg1">
+                <a:lumMod val="85000"/>
+              </a:schemeClr>
+            </a:solidFill>
+            <a:ln>
+              <a:noFill/>
+            </a:ln>
+          </p:spPr>
+          <p:style>
+            <a:lnRef idx="2">
+              <a:schemeClr val="accent1">
+                <a:shade val="50000"/>
+              </a:schemeClr>
+            </a:lnRef>
+            <a:fillRef idx="1">
+              <a:schemeClr val="accent1"/>
+            </a:fillRef>
+            <a:effectRef idx="0">
+              <a:schemeClr val="accent1"/>
+            </a:effectRef>
+            <a:fontRef idx="minor">
+              <a:schemeClr val="lt1"/>
+            </a:fontRef>
+          </p:style>
+          <p:txBody>
+            <a:bodyPr rtlCol="0" anchor="ctr"/>
+            <a:lstStyle/>
+            <a:p>
+              <a:pPr algn="ctr"/>
+              <a:endParaRPr kumimoji="1" lang="ja-JP" altLang="en-US"/>
+            </a:p>
+          </p:txBody>
+        </p:sp>
+      </p:grpSp>
+      <p:sp>
+        <p:nvSpPr>
+          <p:cNvPr id="7" name="正方形/長方形 6"/>
+          <p:cNvSpPr/>
+          <p:nvPr/>
+        </p:nvSpPr>
+        <p:spPr>
+          <a:xfrm>
+            <a:off x="593591" y="1205860"/>
+            <a:ext cx="6029270" cy="276999"/>
+          </a:xfrm>
+          <a:prstGeom prst="rect">
+            <a:avLst/>
+          </a:prstGeom>
+        </p:spPr>
+        <p:txBody>
+          <a:bodyPr wrap="square">
+            <a:spAutoFit/>
+          </a:bodyPr>
+          <a:lstStyle/>
+          <a:p>
+            <a:r>
+              <a:rPr lang="en-US" altLang="ja-JP" sz="1200" dirty="0">
+                <a:solidFill>
+                  <a:srgbClr val="0000FF"/>
+                </a:solidFill>
+                <a:latin typeface="Courier New" panose="02070309020205020404" pitchFamily="49" charset="0"/>
+              </a:rPr>
+              <a:t>!</a:t>
+            </a:r>
+            <a:r>
+              <a:rPr lang="en-US" altLang="ja-JP" sz="1200" dirty="0" err="1">
+                <a:solidFill>
+                  <a:srgbClr val="000000"/>
+                </a:solidFill>
+                <a:latin typeface="Courier New" panose="02070309020205020404" pitchFamily="49" charset="0"/>
+              </a:rPr>
+              <a:t>wget</a:t>
+            </a:r>
+            <a:r>
+              <a:rPr lang="en-US" altLang="ja-JP" sz="1200" dirty="0">
+                <a:solidFill>
+                  <a:srgbClr val="000000"/>
+                </a:solidFill>
+                <a:latin typeface="Courier New" panose="02070309020205020404" pitchFamily="49" charset="0"/>
+              </a:rPr>
+              <a:t> </a:t>
+            </a:r>
+            <a:r>
+              <a:rPr lang="en-US" altLang="ja-JP" sz="1200" u="sng" dirty="0">
+                <a:solidFill>
+                  <a:srgbClr val="000000"/>
+                </a:solidFill>
+                <a:latin typeface="Courier New" panose="02070309020205020404" pitchFamily="49" charset="0"/>
+              </a:rPr>
+              <a:t>https://kaityo256.github.io/python_zero/file/colortv.csv </a:t>
+            </a:r>
+            <a:endParaRPr lang="en-US" altLang="ja-JP" sz="1200" b="0" u="sng" dirty="0">
+              <a:solidFill>
+                <a:srgbClr val="000000"/>
+              </a:solidFill>
+              <a:effectLst/>
+              <a:latin typeface="Courier New" panose="02070309020205020404" pitchFamily="49" charset="0"/>
+            </a:endParaRPr>
+          </a:p>
+        </p:txBody>
+      </p:sp>
+      <p:sp>
+        <p:nvSpPr>
+          <p:cNvPr id="8" name="テキスト ボックス 7"/>
+          <p:cNvSpPr txBox="1"/>
+          <p:nvPr/>
+        </p:nvSpPr>
+        <p:spPr>
+          <a:xfrm>
+            <a:off x="701307" y="546233"/>
+            <a:ext cx="3974165" cy="369332"/>
+          </a:xfrm>
+          <a:prstGeom prst="rect">
+            <a:avLst/>
+          </a:prstGeom>
+          <a:noFill/>
+        </p:spPr>
+        <p:txBody>
+          <a:bodyPr wrap="none" rtlCol="0">
+            <a:spAutoFit/>
+          </a:bodyPr>
+          <a:lstStyle/>
+          <a:p>
+            <a:r>
+              <a:rPr lang="en-US" altLang="ja-JP" dirty="0" smtClean="0"/>
+              <a:t>Google </a:t>
+            </a:r>
+            <a:r>
+              <a:rPr lang="en-US" altLang="ja-JP" dirty="0" err="1" smtClean="0"/>
+              <a:t>Colab</a:t>
+            </a:r>
+            <a:r>
+              <a:rPr lang="ja-JP" altLang="en-US" dirty="0" smtClean="0"/>
+              <a:t>上でダウンロードを実行</a:t>
+            </a:r>
+            <a:endParaRPr kumimoji="1" lang="ja-JP" altLang="en-US" dirty="0"/>
+          </a:p>
+        </p:txBody>
+      </p:sp>
+      <p:pic>
+        <p:nvPicPr>
+          <p:cNvPr id="10" name="Picture 6" descr="ãµã¼ãã¼ã®ã¤ã©ã¹ã"/>
+          <p:cNvPicPr>
+            <a:picLocks noChangeAspect="1" noChangeArrowheads="1"/>
+          </p:cNvPicPr>
+          <p:nvPr/>
+        </p:nvPicPr>
+        <p:blipFill>
+          <a:blip r:embed="rId2" cstate="print">
+            <a:extLst>
+              <a:ext uri="{28A0092B-C50C-407E-A947-70E740481C1C}">
+                <a14:useLocalDpi xmlns:a14="http://schemas.microsoft.com/office/drawing/2010/main" val="0"/>
+              </a:ext>
+            </a:extLst>
+          </a:blip>
+          <a:srcRect/>
+          <a:stretch>
+            <a:fillRect/>
+          </a:stretch>
+        </p:blipFill>
+        <p:spPr bwMode="auto">
+          <a:xfrm>
+            <a:off x="423336" y="2673672"/>
+            <a:ext cx="1248073" cy="1163828"/>
+          </a:xfrm>
+          <a:prstGeom prst="rect">
+            <a:avLst/>
+          </a:prstGeom>
+          <a:noFill/>
+          <a:extLst>
+            <a:ext uri="{909E8E84-426E-40DD-AFC4-6F175D3DCCD1}">
+              <a14:hiddenFill xmlns:a14="http://schemas.microsoft.com/office/drawing/2010/main">
+                <a:solidFill>
+                  <a:srgbClr val="FFFFFF"/>
+                </a:solidFill>
+              </a14:hiddenFill>
+            </a:ext>
+          </a:extLst>
+        </p:spPr>
+      </p:pic>
+      <p:sp>
+        <p:nvSpPr>
+          <p:cNvPr id="11" name="テキスト ボックス 10"/>
+          <p:cNvSpPr txBox="1"/>
+          <p:nvPr/>
+        </p:nvSpPr>
+        <p:spPr>
+          <a:xfrm>
+            <a:off x="237295" y="2319294"/>
+            <a:ext cx="1944216" cy="369332"/>
+          </a:xfrm>
+          <a:prstGeom prst="rect">
+            <a:avLst/>
+          </a:prstGeom>
+          <a:noFill/>
+        </p:spPr>
+        <p:txBody>
+          <a:bodyPr wrap="square" rtlCol="0">
+            <a:spAutoFit/>
+          </a:bodyPr>
+          <a:lstStyle/>
+          <a:p>
+            <a:r>
+              <a:rPr kumimoji="1" lang="en-US" altLang="ja-JP" dirty="0" smtClean="0"/>
+              <a:t>GitHub</a:t>
+            </a:r>
+            <a:r>
+              <a:rPr kumimoji="1" lang="ja-JP" altLang="en-US" dirty="0" smtClean="0"/>
+              <a:t>のサーバ</a:t>
+            </a:r>
+            <a:endParaRPr kumimoji="1" lang="ja-JP" altLang="en-US" dirty="0"/>
+          </a:p>
+        </p:txBody>
+      </p:sp>
+      <p:pic>
+        <p:nvPicPr>
+          <p:cNvPr id="12" name="Picture 4" descr="ãã¡ã¤ã«ã¢ã¤ã³ã³ï¼ãã­ã¹ãï¼"/>
+          <p:cNvPicPr>
+            <a:picLocks noChangeAspect="1" noChangeArrowheads="1"/>
+          </p:cNvPicPr>
+          <p:nvPr/>
+        </p:nvPicPr>
+        <p:blipFill>
+          <a:blip r:embed="rId3" cstate="print">
+            <a:extLst>
+              <a:ext uri="{28A0092B-C50C-407E-A947-70E740481C1C}">
+                <a14:useLocalDpi xmlns:a14="http://schemas.microsoft.com/office/drawing/2010/main" val="0"/>
+              </a:ext>
+            </a:extLst>
+          </a:blip>
+          <a:srcRect/>
+          <a:stretch>
+            <a:fillRect/>
+          </a:stretch>
+        </p:blipFill>
+        <p:spPr bwMode="auto">
+          <a:xfrm>
+            <a:off x="1164102" y="4975215"/>
+            <a:ext cx="548567" cy="637046"/>
+          </a:xfrm>
+          <a:prstGeom prst="rect">
+            <a:avLst/>
+          </a:prstGeom>
+          <a:noFill/>
+          <a:extLst>
+            <a:ext uri="{909E8E84-426E-40DD-AFC4-6F175D3DCCD1}">
+              <a14:hiddenFill xmlns:a14="http://schemas.microsoft.com/office/drawing/2010/main">
+                <a:solidFill>
+                  <a:srgbClr val="FFFFFF"/>
+                </a:solidFill>
+              </a14:hiddenFill>
+            </a:ext>
+          </a:extLst>
+        </p:spPr>
+      </p:pic>
+      <p:sp>
+        <p:nvSpPr>
+          <p:cNvPr id="13" name="角丸四角形 12"/>
+          <p:cNvSpPr/>
+          <p:nvPr/>
+        </p:nvSpPr>
+        <p:spPr>
+          <a:xfrm>
+            <a:off x="489876" y="4729021"/>
+            <a:ext cx="1883870" cy="1295332"/>
+          </a:xfrm>
+          <a:prstGeom prst="roundRect">
+            <a:avLst/>
+          </a:prstGeom>
+          <a:noFill/>
+          <a:ln>
+            <a:solidFill>
+              <a:schemeClr val="tx1"/>
+            </a:solidFill>
+            <a:prstDash val="dash"/>
+          </a:ln>
+        </p:spPr>
+        <p:style>
+          <a:lnRef idx="2">
+            <a:schemeClr val="accent1">
+              <a:shade val="50000"/>
+            </a:schemeClr>
+          </a:lnRef>
+          <a:fillRef idx="1">
+            <a:schemeClr val="accent1"/>
+          </a:fillRef>
+          <a:effectRef idx="0">
+            <a:schemeClr val="accent1"/>
+          </a:effectRef>
+          <a:fontRef idx="minor">
+            <a:schemeClr val="lt1"/>
+          </a:fontRef>
+        </p:style>
+        <p:txBody>
+          <a:bodyPr rtlCol="0" anchor="ctr"/>
+          <a:lstStyle/>
+          <a:p>
+            <a:pPr algn="ctr"/>
+            <a:endParaRPr kumimoji="1" lang="ja-JP" altLang="en-US"/>
+          </a:p>
+        </p:txBody>
+      </p:sp>
+      <p:sp>
+        <p:nvSpPr>
+          <p:cNvPr id="14" name="テキスト ボックス 13"/>
+          <p:cNvSpPr txBox="1"/>
+          <p:nvPr/>
+        </p:nvSpPr>
+        <p:spPr>
+          <a:xfrm>
+            <a:off x="245559" y="4006836"/>
+            <a:ext cx="2031325" cy="646331"/>
+          </a:xfrm>
+          <a:prstGeom prst="rect">
+            <a:avLst/>
+          </a:prstGeom>
+          <a:noFill/>
+        </p:spPr>
+        <p:txBody>
+          <a:bodyPr wrap="none" rtlCol="0">
+            <a:spAutoFit/>
+          </a:bodyPr>
+          <a:lstStyle/>
+          <a:p>
+            <a:r>
+              <a:rPr kumimoji="1" lang="en-US" altLang="ja-JP" dirty="0" smtClean="0"/>
+              <a:t>GitHub</a:t>
+            </a:r>
+            <a:r>
+              <a:rPr lang="ja-JP" altLang="en-US" dirty="0" smtClean="0"/>
+              <a:t>サーバに</a:t>
+            </a:r>
+            <a:endParaRPr lang="en-US" altLang="ja-JP" dirty="0" smtClean="0"/>
+          </a:p>
+          <a:p>
+            <a:r>
+              <a:rPr lang="ja-JP" altLang="en-US" dirty="0" smtClean="0"/>
+              <a:t>とってのローカル</a:t>
+            </a:r>
+            <a:endParaRPr kumimoji="1" lang="en-US" altLang="ja-JP" dirty="0" smtClean="0"/>
+          </a:p>
+        </p:txBody>
+      </p:sp>
+      <p:pic>
+        <p:nvPicPr>
+          <p:cNvPr id="15" name="Picture 6" descr="ãµã¼ãã¼ã®ã¤ã©ã¹ã"/>
+          <p:cNvPicPr>
+            <a:picLocks noChangeAspect="1" noChangeArrowheads="1"/>
+          </p:cNvPicPr>
+          <p:nvPr/>
+        </p:nvPicPr>
+        <p:blipFill>
+          <a:blip r:embed="rId2" cstate="print">
+            <a:extLst>
+              <a:ext uri="{28A0092B-C50C-407E-A947-70E740481C1C}">
+                <a14:useLocalDpi xmlns:a14="http://schemas.microsoft.com/office/drawing/2010/main" val="0"/>
+              </a:ext>
+            </a:extLst>
+          </a:blip>
+          <a:srcRect/>
+          <a:stretch>
+            <a:fillRect/>
+          </a:stretch>
+        </p:blipFill>
+        <p:spPr bwMode="auto">
+          <a:xfrm>
+            <a:off x="5765362" y="2642535"/>
+            <a:ext cx="1248073" cy="1163828"/>
+          </a:xfrm>
+          <a:prstGeom prst="rect">
+            <a:avLst/>
+          </a:prstGeom>
+          <a:noFill/>
+          <a:extLst>
+            <a:ext uri="{909E8E84-426E-40DD-AFC4-6F175D3DCCD1}">
+              <a14:hiddenFill xmlns:a14="http://schemas.microsoft.com/office/drawing/2010/main">
+                <a:solidFill>
+                  <a:srgbClr val="FFFFFF"/>
+                </a:solidFill>
+              </a14:hiddenFill>
+            </a:ext>
+          </a:extLst>
+        </p:spPr>
+      </p:pic>
+      <p:sp>
+        <p:nvSpPr>
+          <p:cNvPr id="16" name="テキスト ボックス 15"/>
+          <p:cNvSpPr txBox="1"/>
+          <p:nvPr/>
+        </p:nvSpPr>
+        <p:spPr>
+          <a:xfrm>
+            <a:off x="5367493" y="2307092"/>
+            <a:ext cx="2587606" cy="369332"/>
+          </a:xfrm>
+          <a:prstGeom prst="rect">
+            <a:avLst/>
+          </a:prstGeom>
+          <a:noFill/>
+        </p:spPr>
+        <p:txBody>
+          <a:bodyPr wrap="square" rtlCol="0">
+            <a:spAutoFit/>
+          </a:bodyPr>
+          <a:lstStyle/>
+          <a:p>
+            <a:r>
+              <a:rPr lang="en-US" altLang="ja-JP" dirty="0" smtClean="0"/>
+              <a:t>Google Colab</a:t>
+            </a:r>
+            <a:r>
+              <a:rPr kumimoji="1" lang="ja-JP" altLang="en-US" dirty="0" smtClean="0"/>
+              <a:t>のサーバ</a:t>
+            </a:r>
+            <a:endParaRPr kumimoji="1" lang="ja-JP" altLang="en-US" dirty="0"/>
+          </a:p>
+        </p:txBody>
+      </p:sp>
+      <p:pic>
+        <p:nvPicPr>
+          <p:cNvPr id="17" name="Picture 4" descr="ãã¡ã¤ã«ã¢ã¤ã³ã³ï¼ãã­ã¹ãï¼"/>
+          <p:cNvPicPr>
+            <a:picLocks noChangeAspect="1" noChangeArrowheads="1"/>
+          </p:cNvPicPr>
+          <p:nvPr/>
+        </p:nvPicPr>
+        <p:blipFill>
+          <a:blip r:embed="rId3" cstate="print">
+            <a:extLst>
+              <a:ext uri="{28A0092B-C50C-407E-A947-70E740481C1C}">
+                <a14:useLocalDpi xmlns:a14="http://schemas.microsoft.com/office/drawing/2010/main" val="0"/>
+              </a:ext>
+            </a:extLst>
+          </a:blip>
+          <a:srcRect/>
+          <a:stretch>
+            <a:fillRect/>
+          </a:stretch>
+        </p:blipFill>
+        <p:spPr bwMode="auto">
+          <a:xfrm>
+            <a:off x="5289370" y="4989593"/>
+            <a:ext cx="548567" cy="637046"/>
+          </a:xfrm>
+          <a:prstGeom prst="rect">
+            <a:avLst/>
+          </a:prstGeom>
+          <a:noFill/>
+          <a:extLst>
+            <a:ext uri="{909E8E84-426E-40DD-AFC4-6F175D3DCCD1}">
+              <a14:hiddenFill xmlns:a14="http://schemas.microsoft.com/office/drawing/2010/main">
+                <a:solidFill>
+                  <a:srgbClr val="FFFFFF"/>
+                </a:solidFill>
+              </a14:hiddenFill>
+            </a:ext>
+          </a:extLst>
+        </p:spPr>
+      </p:pic>
+      <p:sp>
+        <p:nvSpPr>
+          <p:cNvPr id="18" name="角丸四角形 17"/>
+          <p:cNvSpPr/>
+          <p:nvPr/>
+        </p:nvSpPr>
+        <p:spPr>
+          <a:xfrm>
+            <a:off x="4772038" y="4729021"/>
+            <a:ext cx="3637352" cy="1295332"/>
+          </a:xfrm>
+          <a:prstGeom prst="roundRect">
+            <a:avLst/>
+          </a:prstGeom>
+          <a:noFill/>
+          <a:ln>
+            <a:solidFill>
+              <a:schemeClr val="tx1"/>
+            </a:solidFill>
+            <a:prstDash val="dash"/>
+          </a:ln>
+        </p:spPr>
+        <p:style>
+          <a:lnRef idx="2">
+            <a:schemeClr val="accent1">
+              <a:shade val="50000"/>
+            </a:schemeClr>
+          </a:lnRef>
+          <a:fillRef idx="1">
+            <a:schemeClr val="accent1"/>
+          </a:fillRef>
+          <a:effectRef idx="0">
+            <a:schemeClr val="accent1"/>
+          </a:effectRef>
+          <a:fontRef idx="minor">
+            <a:schemeClr val="lt1"/>
+          </a:fontRef>
+        </p:style>
+        <p:txBody>
+          <a:bodyPr rtlCol="0" anchor="ctr"/>
+          <a:lstStyle/>
+          <a:p>
+            <a:pPr algn="ctr"/>
+            <a:endParaRPr kumimoji="1" lang="ja-JP" altLang="en-US"/>
+          </a:p>
+        </p:txBody>
+      </p:sp>
+      <p:sp>
+        <p:nvSpPr>
+          <p:cNvPr id="19" name="テキスト ボックス 18"/>
+          <p:cNvSpPr txBox="1"/>
+          <p:nvPr/>
+        </p:nvSpPr>
+        <p:spPr>
+          <a:xfrm>
+            <a:off x="5411545" y="3993420"/>
+            <a:ext cx="2358338" cy="646331"/>
+          </a:xfrm>
+          <a:prstGeom prst="rect">
+            <a:avLst/>
+          </a:prstGeom>
+          <a:noFill/>
+        </p:spPr>
+        <p:txBody>
+          <a:bodyPr wrap="none" rtlCol="0">
+            <a:spAutoFit/>
+          </a:bodyPr>
+          <a:lstStyle/>
+          <a:p>
+            <a:r>
+              <a:rPr kumimoji="1" lang="en-US" altLang="ja-JP" dirty="0" smtClean="0"/>
+              <a:t>Google Colab</a:t>
+            </a:r>
+            <a:r>
+              <a:rPr kumimoji="1" lang="ja-JP" altLang="en-US" dirty="0" smtClean="0"/>
+              <a:t>サーバ</a:t>
+            </a:r>
+            <a:r>
+              <a:rPr lang="ja-JP" altLang="en-US" dirty="0" smtClean="0"/>
+              <a:t>に</a:t>
+            </a:r>
+            <a:endParaRPr lang="en-US" altLang="ja-JP" dirty="0" smtClean="0"/>
+          </a:p>
+          <a:p>
+            <a:r>
+              <a:rPr lang="ja-JP" altLang="en-US" dirty="0" smtClean="0"/>
+              <a:t>とってのローカル</a:t>
+            </a:r>
+            <a:endParaRPr kumimoji="1" lang="en-US" altLang="ja-JP" dirty="0" smtClean="0"/>
+          </a:p>
+        </p:txBody>
+      </p:sp>
+      <p:sp>
+        <p:nvSpPr>
+          <p:cNvPr id="20" name="下矢印 19"/>
+          <p:cNvSpPr/>
+          <p:nvPr/>
+        </p:nvSpPr>
+        <p:spPr>
+          <a:xfrm>
+            <a:off x="3501019" y="1780950"/>
+            <a:ext cx="549770" cy="496933"/>
+          </a:xfrm>
+          <a:prstGeom prst="downArrow">
+            <a:avLst/>
+          </a:prstGeom>
+          <a:solidFill>
+            <a:srgbClr val="FF0000"/>
+          </a:solidFill>
+          <a:ln>
+            <a:solidFill>
+              <a:schemeClr val="tx1"/>
+            </a:solidFill>
+          </a:ln>
+        </p:spPr>
+        <p:style>
+          <a:lnRef idx="2">
+            <a:schemeClr val="accent1">
+              <a:shade val="50000"/>
+            </a:schemeClr>
+          </a:lnRef>
+          <a:fillRef idx="1">
+            <a:schemeClr val="accent1"/>
+          </a:fillRef>
+          <a:effectRef idx="0">
+            <a:schemeClr val="accent1"/>
+          </a:effectRef>
+          <a:fontRef idx="minor">
+            <a:schemeClr val="lt1"/>
+          </a:fontRef>
+        </p:style>
+        <p:txBody>
+          <a:bodyPr rtlCol="0" anchor="ctr"/>
+          <a:lstStyle/>
+          <a:p>
+            <a:pPr algn="ctr"/>
+            <a:endParaRPr kumimoji="1" lang="ja-JP" altLang="en-US"/>
+          </a:p>
+        </p:txBody>
+      </p:sp>
+      <p:cxnSp>
+        <p:nvCxnSpPr>
+          <p:cNvPr id="22" name="直線矢印コネクタ 21"/>
+          <p:cNvCxnSpPr>
+            <a:stCxn id="12" idx="3"/>
+            <a:endCxn id="17" idx="1"/>
+          </p:cNvCxnSpPr>
+          <p:nvPr/>
+        </p:nvCxnSpPr>
+        <p:spPr>
+          <a:xfrm>
+            <a:off x="1712669" y="5293738"/>
+            <a:ext cx="3576701" cy="14378"/>
+          </a:xfrm>
+          <a:prstGeom prst="straightConnector1">
+            <a:avLst/>
+          </a:prstGeom>
+          <a:ln w="12700">
+            <a:solidFill>
+              <a:schemeClr val="tx1"/>
+            </a:solidFill>
+            <a:tailEnd type="triangle"/>
+          </a:ln>
+        </p:spPr>
+        <p:style>
+          <a:lnRef idx="1">
+            <a:schemeClr val="accent1"/>
+          </a:lnRef>
+          <a:fillRef idx="0">
+            <a:schemeClr val="accent1"/>
+          </a:fillRef>
+          <a:effectRef idx="0">
+            <a:schemeClr val="accent1"/>
+          </a:effectRef>
+          <a:fontRef idx="minor">
+            <a:schemeClr val="tx1"/>
+          </a:fontRef>
+        </p:style>
+      </p:cxnSp>
+      <p:sp>
+        <p:nvSpPr>
+          <p:cNvPr id="23" name="テキスト ボックス 22"/>
+          <p:cNvSpPr txBox="1"/>
+          <p:nvPr/>
+        </p:nvSpPr>
+        <p:spPr>
+          <a:xfrm>
+            <a:off x="40847" y="6213342"/>
+            <a:ext cx="4176143" cy="369332"/>
+          </a:xfrm>
+          <a:prstGeom prst="rect">
+            <a:avLst/>
+          </a:prstGeom>
+          <a:noFill/>
+        </p:spPr>
+        <p:txBody>
+          <a:bodyPr wrap="none" rtlCol="0">
+            <a:spAutoFit/>
+          </a:bodyPr>
+          <a:lstStyle/>
+          <a:p>
+            <a:r>
+              <a:rPr kumimoji="1" lang="en-US" altLang="ja-JP" dirty="0" smtClean="0"/>
+              <a:t>GitHub</a:t>
+            </a:r>
+            <a:r>
+              <a:rPr kumimoji="1" lang="ja-JP" altLang="en-US" dirty="0" smtClean="0"/>
+              <a:t>から</a:t>
+            </a:r>
+            <a:r>
+              <a:rPr lang="en-US" altLang="ja-JP" dirty="0" smtClean="0"/>
+              <a:t>Google Colab</a:t>
+            </a:r>
+            <a:r>
+              <a:rPr lang="ja-JP" altLang="en-US" dirty="0" smtClean="0"/>
+              <a:t>にダウンロード</a:t>
+            </a:r>
+            <a:endParaRPr kumimoji="1" lang="ja-JP" altLang="en-US" dirty="0"/>
+          </a:p>
+        </p:txBody>
+      </p:sp>
+      <p:pic>
+        <p:nvPicPr>
+          <p:cNvPr id="1026" name="Picture 2" descr="ãã­ã°ã©ãã³ã°ãããäººã®ã¤ã©ã¹ãï¼ç·æ§ï¼"/>
+          <p:cNvPicPr>
+            <a:picLocks noChangeAspect="1" noChangeArrowheads="1"/>
+          </p:cNvPicPr>
+          <p:nvPr/>
+        </p:nvPicPr>
+        <p:blipFill>
+          <a:blip r:embed="rId4">
+            <a:extLst>
+              <a:ext uri="{28A0092B-C50C-407E-A947-70E740481C1C}">
+                <a14:useLocalDpi xmlns:a14="http://schemas.microsoft.com/office/drawing/2010/main" val="0"/>
+              </a:ext>
+            </a:extLst>
+          </a:blip>
+          <a:srcRect/>
+          <a:stretch>
+            <a:fillRect/>
+          </a:stretch>
+        </p:blipFill>
+        <p:spPr bwMode="auto">
+          <a:xfrm>
+            <a:off x="6986747" y="346091"/>
+            <a:ext cx="1663989" cy="1514230"/>
+          </a:xfrm>
+          <a:prstGeom prst="rect">
+            <a:avLst/>
+          </a:prstGeom>
+          <a:noFill/>
+          <a:extLst>
+            <a:ext uri="{909E8E84-426E-40DD-AFC4-6F175D3DCCD1}">
+              <a14:hiddenFill xmlns:a14="http://schemas.microsoft.com/office/drawing/2010/main">
+                <a:solidFill>
+                  <a:srgbClr val="FFFFFF"/>
+                </a:solidFill>
+              </a14:hiddenFill>
+            </a:ext>
+          </a:extLst>
+        </p:spPr>
+      </p:pic>
+      <p:pic>
+        <p:nvPicPr>
+          <p:cNvPr id="1028" name="Picture 4" descr="ãã¡ã¤ã«ã¢ã¤ã³ã³ï¼ãã©ã³ã¯ï¼"/>
+          <p:cNvPicPr>
+            <a:picLocks noChangeAspect="1" noChangeArrowheads="1"/>
+          </p:cNvPicPr>
+          <p:nvPr/>
+        </p:nvPicPr>
+        <p:blipFill>
+          <a:blip r:embed="rId5" cstate="print">
+            <a:extLst>
+              <a:ext uri="{28A0092B-C50C-407E-A947-70E740481C1C}">
+                <a14:useLocalDpi xmlns:a14="http://schemas.microsoft.com/office/drawing/2010/main" val="0"/>
+              </a:ext>
+            </a:extLst>
+          </a:blip>
+          <a:srcRect/>
+          <a:stretch>
+            <a:fillRect/>
+          </a:stretch>
+        </p:blipFill>
+        <p:spPr bwMode="auto">
+          <a:xfrm>
+            <a:off x="7290344" y="4989593"/>
+            <a:ext cx="545732" cy="633753"/>
+          </a:xfrm>
+          <a:prstGeom prst="rect">
+            <a:avLst/>
+          </a:prstGeom>
+          <a:noFill/>
+          <a:extLst>
+            <a:ext uri="{909E8E84-426E-40DD-AFC4-6F175D3DCCD1}">
+              <a14:hiddenFill xmlns:a14="http://schemas.microsoft.com/office/drawing/2010/main">
+                <a:solidFill>
+                  <a:srgbClr val="FFFFFF"/>
+                </a:solidFill>
+              </a14:hiddenFill>
+            </a:ext>
+          </a:extLst>
+        </p:spPr>
+      </p:pic>
+      <p:sp>
+        <p:nvSpPr>
+          <p:cNvPr id="27" name="テキスト ボックス 26"/>
+          <p:cNvSpPr txBox="1"/>
+          <p:nvPr/>
+        </p:nvSpPr>
+        <p:spPr>
+          <a:xfrm>
+            <a:off x="740091" y="5605523"/>
+            <a:ext cx="1441420" cy="307777"/>
+          </a:xfrm>
+          <a:prstGeom prst="rect">
+            <a:avLst/>
+          </a:prstGeom>
+          <a:noFill/>
+        </p:spPr>
+        <p:txBody>
+          <a:bodyPr wrap="none" rtlCol="0">
+            <a:spAutoFit/>
+          </a:bodyPr>
+          <a:lstStyle/>
+          <a:p>
+            <a:r>
+              <a:rPr kumimoji="1" lang="ja-JP" altLang="en-US" sz="1400" dirty="0" smtClean="0"/>
+              <a:t>データファイル</a:t>
+            </a:r>
+            <a:endParaRPr kumimoji="1" lang="ja-JP" altLang="en-US" sz="1400" dirty="0"/>
+          </a:p>
+        </p:txBody>
+      </p:sp>
+      <p:sp>
+        <p:nvSpPr>
+          <p:cNvPr id="29" name="テキスト ボックス 28"/>
+          <p:cNvSpPr txBox="1"/>
+          <p:nvPr/>
+        </p:nvSpPr>
+        <p:spPr>
+          <a:xfrm>
+            <a:off x="4848605" y="5605523"/>
+            <a:ext cx="1441420" cy="307777"/>
+          </a:xfrm>
+          <a:prstGeom prst="rect">
+            <a:avLst/>
+          </a:prstGeom>
+          <a:noFill/>
+        </p:spPr>
+        <p:txBody>
+          <a:bodyPr wrap="none" rtlCol="0">
+            <a:spAutoFit/>
+          </a:bodyPr>
+          <a:lstStyle/>
+          <a:p>
+            <a:r>
+              <a:rPr kumimoji="1" lang="ja-JP" altLang="en-US" sz="1400" dirty="0" smtClean="0"/>
+              <a:t>データファイル</a:t>
+            </a:r>
+            <a:endParaRPr kumimoji="1" lang="ja-JP" altLang="en-US" sz="1400" dirty="0"/>
+          </a:p>
+        </p:txBody>
+      </p:sp>
+      <p:sp>
+        <p:nvSpPr>
+          <p:cNvPr id="30" name="テキスト ボックス 29"/>
+          <p:cNvSpPr txBox="1"/>
+          <p:nvPr/>
+        </p:nvSpPr>
+        <p:spPr>
+          <a:xfrm>
+            <a:off x="7018672" y="5605523"/>
+            <a:ext cx="1082348" cy="307777"/>
+          </a:xfrm>
+          <a:prstGeom prst="rect">
+            <a:avLst/>
+          </a:prstGeom>
+          <a:noFill/>
+        </p:spPr>
+        <p:txBody>
+          <a:bodyPr wrap="none" rtlCol="0">
+            <a:spAutoFit/>
+          </a:bodyPr>
+          <a:lstStyle/>
+          <a:p>
+            <a:r>
+              <a:rPr kumimoji="1" lang="ja-JP" altLang="en-US" sz="1400" dirty="0" smtClean="0"/>
+              <a:t>プログラム</a:t>
+            </a:r>
+            <a:endParaRPr kumimoji="1" lang="ja-JP" altLang="en-US" sz="1400" dirty="0"/>
+          </a:p>
+        </p:txBody>
+      </p:sp>
+      <p:cxnSp>
+        <p:nvCxnSpPr>
+          <p:cNvPr id="28" name="直線矢印コネクタ 27"/>
+          <p:cNvCxnSpPr/>
+          <p:nvPr/>
+        </p:nvCxnSpPr>
+        <p:spPr>
+          <a:xfrm>
+            <a:off x="5945611" y="5134827"/>
+            <a:ext cx="1200728" cy="0"/>
+          </a:xfrm>
+          <a:prstGeom prst="straightConnector1">
+            <a:avLst/>
+          </a:prstGeom>
+          <a:ln w="12700">
+            <a:solidFill>
+              <a:schemeClr val="tx1"/>
+            </a:solidFill>
+            <a:tailEnd type="triangle"/>
+          </a:ln>
+        </p:spPr>
+        <p:style>
+          <a:lnRef idx="1">
+            <a:schemeClr val="accent1"/>
+          </a:lnRef>
+          <a:fillRef idx="0">
+            <a:schemeClr val="accent1"/>
+          </a:fillRef>
+          <a:effectRef idx="0">
+            <a:schemeClr val="accent1"/>
+          </a:effectRef>
+          <a:fontRef idx="minor">
+            <a:schemeClr val="tx1"/>
+          </a:fontRef>
+        </p:style>
+      </p:cxnSp>
+      <p:cxnSp>
+        <p:nvCxnSpPr>
+          <p:cNvPr id="33" name="直線矢印コネクタ 32"/>
+          <p:cNvCxnSpPr/>
+          <p:nvPr/>
+        </p:nvCxnSpPr>
+        <p:spPr>
+          <a:xfrm flipH="1" flipV="1">
+            <a:off x="5945611" y="5411916"/>
+            <a:ext cx="1200728" cy="4618"/>
+          </a:xfrm>
+          <a:prstGeom prst="straightConnector1">
+            <a:avLst/>
+          </a:prstGeom>
+          <a:ln w="12700">
+            <a:solidFill>
+              <a:schemeClr val="tx1"/>
+            </a:solidFill>
+            <a:tailEnd type="triangle"/>
+          </a:ln>
+        </p:spPr>
+        <p:style>
+          <a:lnRef idx="1">
+            <a:schemeClr val="accent1"/>
+          </a:lnRef>
+          <a:fillRef idx="0">
+            <a:schemeClr val="accent1"/>
+          </a:fillRef>
+          <a:effectRef idx="0">
+            <a:schemeClr val="accent1"/>
+          </a:effectRef>
+          <a:fontRef idx="minor">
+            <a:schemeClr val="tx1"/>
+          </a:fontRef>
+        </p:style>
+      </p:cxnSp>
+      <p:sp>
+        <p:nvSpPr>
+          <p:cNvPr id="36" name="テキスト ボックス 35"/>
+          <p:cNvSpPr txBox="1"/>
+          <p:nvPr/>
+        </p:nvSpPr>
+        <p:spPr>
+          <a:xfrm>
+            <a:off x="4907404" y="6213342"/>
+            <a:ext cx="3743332" cy="369332"/>
+          </a:xfrm>
+          <a:prstGeom prst="rect">
+            <a:avLst/>
+          </a:prstGeom>
+          <a:noFill/>
+        </p:spPr>
+        <p:txBody>
+          <a:bodyPr wrap="none" rtlCol="0">
+            <a:spAutoFit/>
+          </a:bodyPr>
+          <a:lstStyle/>
+          <a:p>
+            <a:r>
+              <a:rPr lang="en-US" altLang="ja-JP" dirty="0" smtClean="0"/>
+              <a:t>Google Colab</a:t>
+            </a:r>
+            <a:r>
+              <a:rPr lang="ja-JP" altLang="en-US" dirty="0" smtClean="0"/>
+              <a:t>のローカルで読み書き</a:t>
+            </a:r>
+            <a:endParaRPr kumimoji="1" lang="ja-JP" altLang="en-US" dirty="0"/>
+          </a:p>
+        </p:txBody>
+      </p:sp>
+    </p:spTree>
+    <p:extLst>
+      <p:ext uri="{BB962C8B-B14F-4D97-AF65-F5344CB8AC3E}">
+        <p14:creationId xmlns:p14="http://schemas.microsoft.com/office/powerpoint/2010/main" val="2473067412"/>
       </p:ext>
     </p:extLst>
   </p:cSld>

--- a/file/fig/fig.pptx
+++ b/file/fig/fig.pptx
@@ -7,8 +7,7 @@
   <p:sldIdLst>
     <p:sldId id="257" r:id="rId2"/>
     <p:sldId id="256" r:id="rId3"/>
-    <p:sldId id="258" r:id="rId4"/>
-    <p:sldId id="259" r:id="rId5"/>
+    <p:sldId id="259" r:id="rId4"/>
   </p:sldIdLst>
   <p:sldSz cx="9144000" cy="6858000" type="screen4x3"/>
   <p:notesSz cx="6858000" cy="9144000"/>
@@ -844,7 +843,7 @@
           <a:lstStyle/>
           <a:p>
             <a:r>
-              <a:rPr kumimoji="1" lang="en-US" altLang="ja-JP" sz="2800" dirty="0" smtClean="0"/>
+              <a:rPr kumimoji="1" lang="en-US" altLang="ja-JP" sz="2800" dirty="0"/>
               <a:t>inode</a:t>
             </a:r>
             <a:endParaRPr kumimoji="1" lang="ja-JP" altLang="en-US" sz="2800" dirty="0"/>
@@ -874,10 +873,9 @@
           <a:lstStyle/>
           <a:p>
             <a:r>
-              <a:rPr kumimoji="1" lang="ja-JP" altLang="en-US" dirty="0" smtClean="0"/>
+              <a:rPr kumimoji="1" lang="ja-JP" altLang="en-US" dirty="0"/>
               <a:t>ストレージ</a:t>
             </a:r>
-            <a:endParaRPr kumimoji="1" lang="ja-JP" altLang="en-US" dirty="0"/>
           </a:p>
         </p:txBody>
       </p:sp>
@@ -905,7 +903,7 @@
           <a:p>
             <a:pPr algn="ctr"/>
             <a:r>
-              <a:rPr kumimoji="1" lang="en-US" altLang="ja-JP" sz="2400" dirty="0" smtClean="0"/>
+              <a:rPr kumimoji="1" lang="en-US" altLang="ja-JP" sz="2400" dirty="0"/>
               <a:t>0</a:t>
             </a:r>
             <a:endParaRPr kumimoji="1" lang="ja-JP" altLang="en-US" sz="2400" dirty="0"/>
@@ -936,7 +934,7 @@
           <a:p>
             <a:pPr algn="ctr"/>
             <a:r>
-              <a:rPr kumimoji="1" lang="en-US" altLang="ja-JP" sz="2400" dirty="0" smtClean="0"/>
+              <a:rPr kumimoji="1" lang="en-US" altLang="ja-JP" sz="2400" dirty="0"/>
               <a:t>1</a:t>
             </a:r>
             <a:endParaRPr kumimoji="1" lang="ja-JP" altLang="en-US" sz="2400" dirty="0"/>
@@ -967,7 +965,7 @@
           <a:p>
             <a:pPr algn="ctr"/>
             <a:r>
-              <a:rPr kumimoji="1" lang="en-US" altLang="ja-JP" sz="2400" dirty="0" smtClean="0"/>
+              <a:rPr kumimoji="1" lang="en-US" altLang="ja-JP" sz="2400" dirty="0"/>
               <a:t>2</a:t>
             </a:r>
             <a:endParaRPr kumimoji="1" lang="ja-JP" altLang="en-US" sz="2400" dirty="0"/>
@@ -998,7 +996,7 @@
           <a:p>
             <a:pPr algn="ctr"/>
             <a:r>
-              <a:rPr kumimoji="1" lang="en-US" altLang="ja-JP" sz="2400" dirty="0" smtClean="0"/>
+              <a:rPr kumimoji="1" lang="en-US" altLang="ja-JP" sz="2400" dirty="0"/>
               <a:t>3</a:t>
             </a:r>
             <a:endParaRPr kumimoji="1" lang="ja-JP" altLang="en-US" sz="2400" dirty="0"/>
@@ -1153,7 +1151,7 @@
           <a:p>
             <a:pPr algn="ctr"/>
             <a:r>
-              <a:rPr kumimoji="1" lang="en-US" altLang="ja-JP" sz="2400" dirty="0" smtClean="0"/>
+              <a:rPr kumimoji="1" lang="en-US" altLang="ja-JP" sz="2400" dirty="0"/>
               <a:t>8</a:t>
             </a:r>
             <a:endParaRPr kumimoji="1" lang="ja-JP" altLang="en-US" sz="2400" dirty="0"/>
@@ -1253,7 +1251,7 @@
           <a:lstStyle/>
           <a:p>
             <a:r>
-              <a:rPr lang="en-US" altLang="ja-JP" dirty="0" smtClean="0"/>
+              <a:rPr lang="en-US" altLang="ja-JP" dirty="0"/>
               <a:t>3414</a:t>
             </a:r>
             <a:endParaRPr kumimoji="1" lang="ja-JP" altLang="en-US" dirty="0"/>
@@ -1283,7 +1281,7 @@
           <a:lstStyle/>
           <a:p>
             <a:r>
-              <a:rPr lang="en-US" altLang="ja-JP" dirty="0" smtClean="0"/>
+              <a:rPr lang="en-US" altLang="ja-JP" dirty="0"/>
               <a:t>5831</a:t>
             </a:r>
             <a:endParaRPr kumimoji="1" lang="ja-JP" altLang="en-US" dirty="0"/>
@@ -1429,14 +1427,13 @@
           <a:lstStyle/>
           <a:p>
             <a:r>
-              <a:rPr kumimoji="1" lang="en-US" altLang="ja-JP" dirty="0" smtClean="0"/>
+              <a:rPr kumimoji="1" lang="en-US" altLang="ja-JP" dirty="0"/>
               <a:t>inode</a:t>
             </a:r>
             <a:r>
-              <a:rPr kumimoji="1" lang="ja-JP" altLang="en-US" dirty="0" smtClean="0"/>
+              <a:rPr kumimoji="1" lang="ja-JP" altLang="en-US" dirty="0"/>
               <a:t>番号</a:t>
             </a:r>
-            <a:endParaRPr kumimoji="1" lang="ja-JP" altLang="en-US" dirty="0"/>
           </a:p>
         </p:txBody>
       </p:sp>
@@ -1463,10 +1460,9 @@
           <a:lstStyle/>
           <a:p>
             <a:r>
-              <a:rPr kumimoji="1" lang="ja-JP" altLang="en-US" dirty="0" smtClean="0"/>
+              <a:rPr kumimoji="1" lang="ja-JP" altLang="en-US" dirty="0"/>
               <a:t>ブロック番号</a:t>
             </a:r>
-            <a:endParaRPr kumimoji="1" lang="ja-JP" altLang="en-US" dirty="0"/>
           </a:p>
         </p:txBody>
       </p:sp>
@@ -1534,11 +1530,11 @@
           <a:lstStyle/>
           <a:p>
             <a:r>
-              <a:rPr lang="ja-JP" altLang="en-US" dirty="0" smtClean="0"/>
+              <a:rPr lang="ja-JP" altLang="en-US" dirty="0"/>
               <a:t>ディレクトリの</a:t>
             </a:r>
             <a:r>
-              <a:rPr lang="en-US" altLang="ja-JP" dirty="0" smtClean="0"/>
+              <a:rPr lang="en-US" altLang="ja-JP" dirty="0"/>
               <a:t>inode</a:t>
             </a:r>
           </a:p>
@@ -1592,14 +1588,13 @@
                     <a:p>
                       <a:pPr algn="ctr"/>
                       <a:r>
-                        <a:rPr kumimoji="1" lang="en-US" altLang="ja-JP" dirty="0" smtClean="0"/>
+                        <a:rPr kumimoji="1" lang="en-US" altLang="ja-JP" dirty="0"/>
                         <a:t>inode</a:t>
                       </a:r>
                       <a:r>
-                        <a:rPr kumimoji="1" lang="ja-JP" altLang="en-US" dirty="0" smtClean="0"/>
+                        <a:rPr kumimoji="1" lang="ja-JP" altLang="en-US" dirty="0"/>
                         <a:t>番号</a:t>
                       </a:r>
-                      <a:endParaRPr kumimoji="1" lang="ja-JP" altLang="en-US" dirty="0"/>
                     </a:p>
                   </a:txBody>
                   <a:tcPr/>
@@ -1611,10 +1606,9 @@
                     <a:p>
                       <a:pPr algn="ctr"/>
                       <a:r>
-                        <a:rPr kumimoji="1" lang="ja-JP" altLang="en-US" dirty="0" smtClean="0"/>
+                        <a:rPr kumimoji="1" lang="ja-JP" altLang="en-US" dirty="0"/>
                         <a:t>ファイル名</a:t>
                       </a:r>
-                      <a:endParaRPr kumimoji="1" lang="ja-JP" altLang="en-US" dirty="0"/>
                     </a:p>
                   </a:txBody>
                   <a:tcPr/>
@@ -1633,7 +1627,7 @@
                     <a:p>
                       <a:pPr algn="ctr"/>
                       <a:r>
-                        <a:rPr kumimoji="1" lang="en-US" altLang="ja-JP" dirty="0" smtClean="0"/>
+                        <a:rPr kumimoji="1" lang="en-US" altLang="ja-JP" dirty="0"/>
                         <a:t>10091</a:t>
                       </a:r>
                     </a:p>
@@ -1646,15 +1640,15 @@
                     <a:lstStyle/>
                     <a:p>
                       <a:r>
-                        <a:rPr kumimoji="1" lang="en-US" altLang="ja-JP" dirty="0" smtClean="0"/>
+                        <a:rPr kumimoji="1" lang="en-US" altLang="ja-JP" dirty="0"/>
                         <a:t>. (</a:t>
                       </a:r>
                       <a:r>
-                        <a:rPr kumimoji="1" lang="ja-JP" altLang="en-US" dirty="0" smtClean="0"/>
+                        <a:rPr kumimoji="1" lang="ja-JP" altLang="en-US" dirty="0"/>
                         <a:t>自分自身</a:t>
                       </a:r>
                       <a:r>
-                        <a:rPr kumimoji="1" lang="en-US" altLang="ja-JP" dirty="0" smtClean="0"/>
+                        <a:rPr kumimoji="1" lang="en-US" altLang="ja-JP" dirty="0"/>
                         <a:t>)</a:t>
                       </a:r>
                     </a:p>
@@ -1675,7 +1669,7 @@
                     <a:p>
                       <a:pPr algn="ctr"/>
                       <a:r>
-                        <a:rPr kumimoji="1" lang="en-US" altLang="ja-JP" dirty="0" smtClean="0"/>
+                        <a:rPr kumimoji="1" lang="en-US" altLang="ja-JP" dirty="0"/>
                         <a:t>38467</a:t>
                       </a:r>
                       <a:endParaRPr kumimoji="1" lang="ja-JP" altLang="en-US" dirty="0"/>
@@ -1706,18 +1700,18 @@
                         <a:defRPr/>
                       </a:pPr>
                       <a:r>
-                        <a:rPr kumimoji="1" lang="en-US" altLang="ja-JP" dirty="0" smtClean="0"/>
+                        <a:rPr kumimoji="1" lang="en-US" altLang="ja-JP" dirty="0"/>
                         <a:t>.. (</a:t>
                       </a:r>
                       <a:r>
-                        <a:rPr kumimoji="1" lang="ja-JP" altLang="en-US" dirty="0" smtClean="0"/>
+                        <a:rPr kumimoji="1" lang="ja-JP" altLang="en-US" dirty="0"/>
                         <a:t>親ディレクトリ</a:t>
                       </a:r>
                       <a:r>
-                        <a:rPr kumimoji="1" lang="en-US" altLang="ja-JP" dirty="0" smtClean="0"/>
+                        <a:rPr kumimoji="1" lang="en-US" altLang="ja-JP" dirty="0"/>
                         <a:t>)</a:t>
                       </a:r>
-                      <a:endParaRPr kumimoji="1" lang="ja-JP" altLang="en-US" dirty="0" smtClean="0"/>
+                      <a:endParaRPr kumimoji="1" lang="ja-JP" altLang="en-US" dirty="0"/>
                     </a:p>
                   </a:txBody>
                   <a:tcPr/>
@@ -1736,7 +1730,7 @@
                     <a:p>
                       <a:pPr algn="ctr"/>
                       <a:r>
-                        <a:rPr kumimoji="1" lang="en-US" altLang="ja-JP" dirty="0" smtClean="0"/>
+                        <a:rPr kumimoji="1" lang="en-US" altLang="ja-JP" dirty="0"/>
                         <a:t>3414</a:t>
                       </a:r>
                       <a:endParaRPr kumimoji="1" lang="ja-JP" altLang="en-US" dirty="0"/>
@@ -1750,7 +1744,7 @@
                     <a:lstStyle/>
                     <a:p>
                       <a:r>
-                        <a:rPr kumimoji="1" lang="en-US" altLang="ja-JP" dirty="0" smtClean="0"/>
+                        <a:rPr kumimoji="1" lang="en-US" altLang="ja-JP" dirty="0"/>
                         <a:t>test.txt</a:t>
                       </a:r>
                       <a:endParaRPr kumimoji="1" lang="ja-JP" altLang="en-US" dirty="0"/>
@@ -1772,7 +1766,7 @@
                     <a:p>
                       <a:pPr algn="ctr"/>
                       <a:r>
-                        <a:rPr kumimoji="1" lang="en-US" altLang="ja-JP" dirty="0" smtClean="0"/>
+                        <a:rPr kumimoji="1" lang="en-US" altLang="ja-JP" dirty="0"/>
                         <a:t>5831</a:t>
                       </a:r>
                       <a:endParaRPr kumimoji="1" lang="ja-JP" altLang="en-US" dirty="0"/>
@@ -1786,7 +1780,7 @@
                     <a:lstStyle/>
                     <a:p>
                       <a:r>
-                        <a:rPr kumimoji="1" lang="en-US" altLang="ja-JP" dirty="0" smtClean="0"/>
+                        <a:rPr kumimoji="1" lang="en-US" altLang="ja-JP" dirty="0"/>
                         <a:t>data.dat</a:t>
                       </a:r>
                       <a:endParaRPr kumimoji="1" lang="ja-JP" altLang="en-US" dirty="0"/>
@@ -2165,7 +2159,7 @@
           <a:lstStyle/>
           <a:p>
             <a:r>
-              <a:rPr kumimoji="1" lang="en-US" altLang="ja-JP" dirty="0" smtClean="0"/>
+              <a:rPr kumimoji="1" lang="en-US" altLang="ja-JP" dirty="0"/>
               <a:t>OS</a:t>
             </a:r>
           </a:p>
@@ -2518,10 +2512,10 @@
           <a:lstStyle/>
           <a:p>
             <a:r>
-              <a:rPr kumimoji="1" lang="ja-JP" altLang="en-US" dirty="0" smtClean="0"/>
+              <a:rPr kumimoji="1" lang="ja-JP" altLang="en-US" dirty="0"/>
               <a:t>プロセス</a:t>
             </a:r>
-            <a:endParaRPr kumimoji="1" lang="en-US" altLang="ja-JP" dirty="0" smtClean="0"/>
+            <a:endParaRPr kumimoji="1" lang="en-US" altLang="ja-JP" dirty="0"/>
           </a:p>
         </p:txBody>
       </p:sp>
@@ -2548,14 +2542,10 @@
           <a:lstStyle/>
           <a:p>
             <a:r>
-              <a:rPr lang="ja-JP" altLang="en-US" dirty="0" smtClean="0"/>
-              <a:t>ファイル</a:t>
-            </a:r>
-            <a:r>
               <a:rPr lang="ja-JP" altLang="en-US" dirty="0"/>
-              <a:t>システム</a:t>
-            </a:r>
-            <a:endParaRPr kumimoji="1" lang="en-US" altLang="ja-JP" dirty="0" smtClean="0"/>
+              <a:t>ファイルシステム</a:t>
+            </a:r>
+            <a:endParaRPr kumimoji="1" lang="en-US" altLang="ja-JP" dirty="0"/>
           </a:p>
         </p:txBody>
       </p:sp>
@@ -2582,14 +2572,14 @@
           <a:lstStyle/>
           <a:p>
             <a:r>
-              <a:rPr kumimoji="1" lang="ja-JP" altLang="en-US" dirty="0" smtClean="0"/>
+              <a:rPr kumimoji="1" lang="ja-JP" altLang="en-US" dirty="0"/>
               <a:t>ファイル</a:t>
             </a:r>
-            <a:endParaRPr kumimoji="1" lang="en-US" altLang="ja-JP" dirty="0" smtClean="0"/>
-          </a:p>
-          <a:p>
-            <a:r>
-              <a:rPr lang="ja-JP" altLang="en-US" dirty="0" smtClean="0"/>
+            <a:endParaRPr kumimoji="1" lang="en-US" altLang="ja-JP" dirty="0"/>
+          </a:p>
+          <a:p>
+            <a:r>
+              <a:rPr lang="ja-JP" altLang="en-US" dirty="0"/>
               <a:t>オープン要求</a:t>
             </a:r>
             <a:endParaRPr kumimoji="1" lang="ja-JP" altLang="en-US" dirty="0"/>
@@ -2657,10 +2647,9 @@
           <a:lstStyle/>
           <a:p>
             <a:r>
-              <a:rPr kumimoji="1" lang="ja-JP" altLang="en-US" dirty="0" smtClean="0"/>
+              <a:rPr kumimoji="1" lang="ja-JP" altLang="en-US" dirty="0"/>
               <a:t>接続先検索</a:t>
             </a:r>
-            <a:endParaRPr kumimoji="1" lang="ja-JP" altLang="en-US" dirty="0"/>
           </a:p>
         </p:txBody>
       </p:sp>
@@ -2687,14 +2676,10 @@
           <a:lstStyle/>
           <a:p>
             <a:r>
-              <a:rPr lang="ja-JP" altLang="en-US" dirty="0" smtClean="0"/>
-              <a:t>ファイル</a:t>
-            </a:r>
-            <a:r>
               <a:rPr lang="ja-JP" altLang="en-US" dirty="0"/>
-              <a:t>システム</a:t>
-            </a:r>
-            <a:endParaRPr kumimoji="1" lang="en-US" altLang="ja-JP" dirty="0" smtClean="0"/>
+              <a:t>ファイルシステム</a:t>
+            </a:r>
+            <a:endParaRPr kumimoji="1" lang="en-US" altLang="ja-JP" dirty="0"/>
           </a:p>
         </p:txBody>
       </p:sp>
@@ -2771,15 +2756,15 @@
           <a:lstStyle/>
           <a:p>
             <a:r>
-              <a:rPr kumimoji="1" lang="en-US" altLang="ja-JP" dirty="0" smtClean="0"/>
+              <a:rPr kumimoji="1" lang="en-US" altLang="ja-JP" dirty="0"/>
               <a:t>test.txt</a:t>
             </a:r>
             <a:r>
-              <a:rPr kumimoji="1" lang="ja-JP" altLang="en-US" dirty="0" smtClean="0"/>
+              <a:rPr kumimoji="1" lang="ja-JP" altLang="en-US" dirty="0"/>
               <a:t>に</a:t>
             </a:r>
             <a:r>
-              <a:rPr lang="ja-JP" altLang="en-US" dirty="0" smtClean="0"/>
+              <a:rPr lang="ja-JP" altLang="en-US" dirty="0"/>
               <a:t>書き込めるようにしてください</a:t>
             </a:r>
             <a:endParaRPr kumimoji="1" lang="ja-JP" altLang="en-US" dirty="0"/>
@@ -2859,17 +2844,16 @@
           <a:lstStyle/>
           <a:p>
             <a:r>
-              <a:rPr lang="ja-JP" altLang="en-US" dirty="0" smtClean="0"/>
+              <a:rPr lang="ja-JP" altLang="en-US" dirty="0"/>
               <a:t>お調べしますので</a:t>
             </a:r>
-            <a:endParaRPr lang="en-US" altLang="ja-JP" dirty="0" smtClean="0"/>
-          </a:p>
-          <a:p>
-            <a:r>
-              <a:rPr kumimoji="1" lang="ja-JP" altLang="en-US" dirty="0" smtClean="0"/>
+            <a:endParaRPr lang="en-US" altLang="ja-JP" dirty="0"/>
+          </a:p>
+          <a:p>
+            <a:r>
+              <a:rPr kumimoji="1" lang="ja-JP" altLang="en-US" dirty="0"/>
               <a:t>お待ちください</a:t>
             </a:r>
-            <a:endParaRPr kumimoji="1" lang="ja-JP" altLang="en-US" dirty="0"/>
           </a:p>
         </p:txBody>
       </p:sp>
@@ -2946,14 +2930,13 @@
           <a:lstStyle/>
           <a:p>
             <a:r>
-              <a:rPr kumimoji="1" lang="en-US" altLang="ja-JP" dirty="0" smtClean="0"/>
+              <a:rPr kumimoji="1" lang="en-US" altLang="ja-JP" dirty="0"/>
               <a:t>14</a:t>
             </a:r>
             <a:r>
-              <a:rPr kumimoji="1" lang="ja-JP" altLang="en-US" dirty="0" smtClean="0"/>
+              <a:rPr kumimoji="1" lang="ja-JP" altLang="en-US" dirty="0"/>
               <a:t>番でおつなぎしました</a:t>
             </a:r>
-            <a:endParaRPr kumimoji="1" lang="ja-JP" altLang="en-US" dirty="0"/>
           </a:p>
         </p:txBody>
       </p:sp>
@@ -2981,11 +2964,11 @@
           <a:p>
             <a:pPr algn="ctr"/>
             <a:r>
-              <a:rPr kumimoji="1" lang="ja-JP" altLang="en-US" sz="1600" dirty="0" smtClean="0"/>
+              <a:rPr kumimoji="1" lang="ja-JP" altLang="en-US" sz="1600" dirty="0"/>
               <a:t>内線番号</a:t>
             </a:r>
             <a:r>
-              <a:rPr lang="en-US" altLang="ja-JP" sz="1600" dirty="0" smtClean="0"/>
+              <a:rPr lang="en-US" altLang="ja-JP" sz="1600" dirty="0"/>
               <a:t>14</a:t>
             </a:r>
           </a:p>
@@ -3014,15 +2997,15 @@
           <a:lstStyle/>
           <a:p>
             <a:r>
-              <a:rPr lang="ja-JP" altLang="en-US" dirty="0" smtClean="0"/>
+              <a:rPr lang="ja-JP" altLang="en-US" dirty="0"/>
               <a:t>以後、内線番号</a:t>
             </a:r>
             <a:r>
-              <a:rPr lang="en-US" altLang="ja-JP" dirty="0" smtClean="0"/>
+              <a:rPr lang="en-US" altLang="ja-JP" dirty="0"/>
               <a:t>14</a:t>
             </a:r>
             <a:r>
-              <a:rPr lang="ja-JP" altLang="en-US" dirty="0" smtClean="0"/>
+              <a:rPr lang="ja-JP" altLang="en-US" dirty="0"/>
               <a:t>番を通じてファイルの読み書きをする</a:t>
             </a:r>
             <a:endParaRPr kumimoji="1" lang="ja-JP" altLang="en-US" dirty="0"/>
@@ -3179,7 +3162,7 @@
           <a:lstStyle/>
           <a:p>
             <a:r>
-              <a:rPr lang="ja-JP" altLang="en-US" dirty="0" smtClean="0"/>
+              <a:rPr lang="ja-JP" altLang="en-US" dirty="0"/>
               <a:t>ありがとう！</a:t>
             </a:r>
             <a:endParaRPr kumimoji="1" lang="ja-JP" altLang="en-US" dirty="0"/>
@@ -3237,865 +3220,6 @@
 </file>
 
 <file path=ppt/slides/slide3.xml><?xml version="1.0" encoding="utf-8"?>
-<p:sld xmlns:a="http://schemas.openxmlformats.org/drawingml/2006/main" xmlns:r="http://schemas.openxmlformats.org/officeDocument/2006/relationships" xmlns:p="http://schemas.openxmlformats.org/presentationml/2006/main">
-  <p:cSld>
-    <p:spTree>
-      <p:nvGrpSpPr>
-        <p:cNvPr id="1" name=""/>
-        <p:cNvGrpSpPr/>
-        <p:nvPr/>
-      </p:nvGrpSpPr>
-      <p:grpSpPr>
-        <a:xfrm>
-          <a:off x="0" y="0"/>
-          <a:ext cx="0" cy="0"/>
-          <a:chOff x="0" y="0"/>
-          <a:chExt cx="0" cy="0"/>
-        </a:xfrm>
-      </p:grpSpPr>
-      <p:pic>
-        <p:nvPicPr>
-          <p:cNvPr id="1026" name="Picture 2" descr="æ¤ç´¢ã¨ã³ã¸ã³ãä½¿ãäººã®ã¤ã©ã¹ã"/>
-          <p:cNvPicPr>
-            <a:picLocks noChangeAspect="1" noChangeArrowheads="1"/>
-          </p:cNvPicPr>
-          <p:nvPr/>
-        </p:nvPicPr>
-        <p:blipFill>
-          <a:blip r:embed="rId2">
-            <a:extLst>
-              <a:ext uri="{28A0092B-C50C-407E-A947-70E740481C1C}">
-                <a14:useLocalDpi xmlns:a14="http://schemas.microsoft.com/office/drawing/2010/main" val="0"/>
-              </a:ext>
-            </a:extLst>
-          </a:blip>
-          <a:srcRect/>
-          <a:stretch>
-            <a:fillRect/>
-          </a:stretch>
-        </p:blipFill>
-        <p:spPr bwMode="auto">
-          <a:xfrm>
-            <a:off x="681373" y="2599656"/>
-            <a:ext cx="1584176" cy="1584176"/>
-          </a:xfrm>
-          <a:prstGeom prst="rect">
-            <a:avLst/>
-          </a:prstGeom>
-          <a:noFill/>
-          <a:extLst>
-            <a:ext uri="{909E8E84-426E-40DD-AFC4-6F175D3DCCD1}">
-              <a14:hiddenFill xmlns:a14="http://schemas.microsoft.com/office/drawing/2010/main">
-                <a:solidFill>
-                  <a:srgbClr val="FFFFFF"/>
-                </a:solidFill>
-              </a14:hiddenFill>
-            </a:ext>
-          </a:extLst>
-        </p:spPr>
-      </p:pic>
-      <p:pic>
-        <p:nvPicPr>
-          <p:cNvPr id="1028" name="Picture 4" descr="ãã¡ã¤ã«ã¢ã¤ã³ã³ï¼ãã­ã¹ãï¼"/>
-          <p:cNvPicPr>
-            <a:picLocks noChangeAspect="1" noChangeArrowheads="1"/>
-          </p:cNvPicPr>
-          <p:nvPr/>
-        </p:nvPicPr>
-        <p:blipFill>
-          <a:blip r:embed="rId3" cstate="print">
-            <a:extLst>
-              <a:ext uri="{28A0092B-C50C-407E-A947-70E740481C1C}">
-                <a14:useLocalDpi xmlns:a14="http://schemas.microsoft.com/office/drawing/2010/main" val="0"/>
-              </a:ext>
-            </a:extLst>
-          </a:blip>
-          <a:srcRect/>
-          <a:stretch>
-            <a:fillRect/>
-          </a:stretch>
-        </p:blipFill>
-        <p:spPr bwMode="auto">
-          <a:xfrm>
-            <a:off x="7250925" y="921131"/>
-            <a:ext cx="548567" cy="637046"/>
-          </a:xfrm>
-          <a:prstGeom prst="rect">
-            <a:avLst/>
-          </a:prstGeom>
-          <a:noFill/>
-          <a:extLst>
-            <a:ext uri="{909E8E84-426E-40DD-AFC4-6F175D3DCCD1}">
-              <a14:hiddenFill xmlns:a14="http://schemas.microsoft.com/office/drawing/2010/main">
-                <a:solidFill>
-                  <a:srgbClr val="FFFFFF"/>
-                </a:solidFill>
-              </a14:hiddenFill>
-            </a:ext>
-          </a:extLst>
-        </p:spPr>
-      </p:pic>
-      <p:pic>
-        <p:nvPicPr>
-          <p:cNvPr id="6" name="Picture 6" descr="ãµã¼ãã¼ã®ã¤ã©ã¹ã"/>
-          <p:cNvPicPr>
-            <a:picLocks noChangeAspect="1" noChangeArrowheads="1"/>
-          </p:cNvPicPr>
-          <p:nvPr/>
-        </p:nvPicPr>
-        <p:blipFill>
-          <a:blip r:embed="rId4" cstate="print">
-            <a:extLst>
-              <a:ext uri="{28A0092B-C50C-407E-A947-70E740481C1C}">
-                <a14:useLocalDpi xmlns:a14="http://schemas.microsoft.com/office/drawing/2010/main" val="0"/>
-              </a:ext>
-            </a:extLst>
-          </a:blip>
-          <a:srcRect/>
-          <a:stretch>
-            <a:fillRect/>
-          </a:stretch>
-        </p:blipFill>
-        <p:spPr bwMode="auto">
-          <a:xfrm>
-            <a:off x="867414" y="5192336"/>
-            <a:ext cx="1248073" cy="1163828"/>
-          </a:xfrm>
-          <a:prstGeom prst="rect">
-            <a:avLst/>
-          </a:prstGeom>
-          <a:noFill/>
-          <a:extLst>
-            <a:ext uri="{909E8E84-426E-40DD-AFC4-6F175D3DCCD1}">
-              <a14:hiddenFill xmlns:a14="http://schemas.microsoft.com/office/drawing/2010/main">
-                <a:solidFill>
-                  <a:srgbClr val="FFFFFF"/>
-                </a:solidFill>
-              </a14:hiddenFill>
-            </a:ext>
-          </a:extLst>
-        </p:spPr>
-      </p:pic>
-      <p:sp>
-        <p:nvSpPr>
-          <p:cNvPr id="3" name="テキスト ボックス 2"/>
-          <p:cNvSpPr txBox="1"/>
-          <p:nvPr/>
-        </p:nvSpPr>
-        <p:spPr>
-          <a:xfrm>
-            <a:off x="681373" y="4837958"/>
-            <a:ext cx="1944216" cy="369332"/>
-          </a:xfrm>
-          <a:prstGeom prst="rect">
-            <a:avLst/>
-          </a:prstGeom>
-          <a:noFill/>
-        </p:spPr>
-        <p:txBody>
-          <a:bodyPr wrap="square" rtlCol="0">
-            <a:spAutoFit/>
-          </a:bodyPr>
-          <a:lstStyle/>
-          <a:p>
-            <a:r>
-              <a:rPr kumimoji="1" lang="en-US" altLang="ja-JP" dirty="0" smtClean="0"/>
-              <a:t>GitHub</a:t>
-            </a:r>
-            <a:r>
-              <a:rPr kumimoji="1" lang="ja-JP" altLang="en-US" dirty="0" smtClean="0"/>
-              <a:t>のサーバ</a:t>
-            </a:r>
-            <a:endParaRPr kumimoji="1" lang="ja-JP" altLang="en-US" dirty="0"/>
-          </a:p>
-        </p:txBody>
-      </p:sp>
-      <p:sp>
-        <p:nvSpPr>
-          <p:cNvPr id="4" name="角丸四角形 3"/>
-          <p:cNvSpPr/>
-          <p:nvPr/>
-        </p:nvSpPr>
-        <p:spPr>
-          <a:xfrm>
-            <a:off x="6992209" y="686634"/>
-            <a:ext cx="1180191" cy="1158190"/>
-          </a:xfrm>
-          <a:prstGeom prst="roundRect">
-            <a:avLst/>
-          </a:prstGeom>
-          <a:noFill/>
-          <a:ln>
-            <a:solidFill>
-              <a:schemeClr val="tx1"/>
-            </a:solidFill>
-            <a:prstDash val="dash"/>
-          </a:ln>
-        </p:spPr>
-        <p:style>
-          <a:lnRef idx="2">
-            <a:schemeClr val="accent1">
-              <a:shade val="50000"/>
-            </a:schemeClr>
-          </a:lnRef>
-          <a:fillRef idx="1">
-            <a:schemeClr val="accent1"/>
-          </a:fillRef>
-          <a:effectRef idx="0">
-            <a:schemeClr val="accent1"/>
-          </a:effectRef>
-          <a:fontRef idx="minor">
-            <a:schemeClr val="lt1"/>
-          </a:fontRef>
-        </p:style>
-        <p:txBody>
-          <a:bodyPr rtlCol="0" anchor="ctr"/>
-          <a:lstStyle/>
-          <a:p>
-            <a:pPr algn="ctr"/>
-            <a:endParaRPr kumimoji="1" lang="ja-JP" altLang="en-US"/>
-          </a:p>
-        </p:txBody>
-      </p:sp>
-      <p:sp>
-        <p:nvSpPr>
-          <p:cNvPr id="7" name="テキスト ボックス 6"/>
-          <p:cNvSpPr txBox="1"/>
-          <p:nvPr/>
-        </p:nvSpPr>
-        <p:spPr>
-          <a:xfrm>
-            <a:off x="6747893" y="-35552"/>
-            <a:ext cx="2031325" cy="646331"/>
-          </a:xfrm>
-          <a:prstGeom prst="rect">
-            <a:avLst/>
-          </a:prstGeom>
-          <a:noFill/>
-        </p:spPr>
-        <p:txBody>
-          <a:bodyPr wrap="none" rtlCol="0">
-            <a:spAutoFit/>
-          </a:bodyPr>
-          <a:lstStyle/>
-          <a:p>
-            <a:r>
-              <a:rPr kumimoji="1" lang="en-US" altLang="ja-JP" dirty="0" smtClean="0"/>
-              <a:t>GitHub</a:t>
-            </a:r>
-            <a:r>
-              <a:rPr lang="ja-JP" altLang="en-US" dirty="0" smtClean="0"/>
-              <a:t>サーバに</a:t>
-            </a:r>
-            <a:endParaRPr lang="en-US" altLang="ja-JP" dirty="0" smtClean="0"/>
-          </a:p>
-          <a:p>
-            <a:r>
-              <a:rPr lang="ja-JP" altLang="en-US" dirty="0" smtClean="0"/>
-              <a:t>とってのローカル</a:t>
-            </a:r>
-            <a:endParaRPr kumimoji="1" lang="en-US" altLang="ja-JP" dirty="0" smtClean="0"/>
-          </a:p>
-        </p:txBody>
-      </p:sp>
-      <p:sp>
-        <p:nvSpPr>
-          <p:cNvPr id="8" name="テキスト ボックス 7"/>
-          <p:cNvSpPr txBox="1"/>
-          <p:nvPr/>
-        </p:nvSpPr>
-        <p:spPr>
-          <a:xfrm>
-            <a:off x="904507" y="4349334"/>
-            <a:ext cx="877163" cy="369332"/>
-          </a:xfrm>
-          <a:prstGeom prst="rect">
-            <a:avLst/>
-          </a:prstGeom>
-          <a:noFill/>
-        </p:spPr>
-        <p:txBody>
-          <a:bodyPr wrap="none" rtlCol="0">
-            <a:spAutoFit/>
-          </a:bodyPr>
-          <a:lstStyle/>
-          <a:p>
-            <a:r>
-              <a:rPr lang="ja-JP" altLang="en-US" dirty="0" smtClean="0"/>
-              <a:t>あな</a:t>
-            </a:r>
-            <a:r>
-              <a:rPr lang="ja-JP" altLang="en-US" dirty="0"/>
-              <a:t>た</a:t>
-            </a:r>
-            <a:endParaRPr kumimoji="1" lang="ja-JP" altLang="en-US" dirty="0"/>
-          </a:p>
-        </p:txBody>
-      </p:sp>
-      <p:pic>
-        <p:nvPicPr>
-          <p:cNvPr id="12" name="Picture 4" descr="ãã¡ã¤ã«ã¢ã¤ã³ã³ï¼ãã­ã¹ãï¼"/>
-          <p:cNvPicPr>
-            <a:picLocks noChangeAspect="1" noChangeArrowheads="1"/>
-          </p:cNvPicPr>
-          <p:nvPr/>
-        </p:nvPicPr>
-        <p:blipFill>
-          <a:blip r:embed="rId3" cstate="print">
-            <a:extLst>
-              <a:ext uri="{28A0092B-C50C-407E-A947-70E740481C1C}">
-                <a14:useLocalDpi xmlns:a14="http://schemas.microsoft.com/office/drawing/2010/main" val="0"/>
-              </a:ext>
-            </a:extLst>
-          </a:blip>
-          <a:srcRect/>
-          <a:stretch>
-            <a:fillRect/>
-          </a:stretch>
-        </p:blipFill>
-        <p:spPr bwMode="auto">
-          <a:xfrm>
-            <a:off x="7250925" y="3914265"/>
-            <a:ext cx="548567" cy="637046"/>
-          </a:xfrm>
-          <a:prstGeom prst="rect">
-            <a:avLst/>
-          </a:prstGeom>
-          <a:noFill/>
-          <a:extLst>
-            <a:ext uri="{909E8E84-426E-40DD-AFC4-6F175D3DCCD1}">
-              <a14:hiddenFill xmlns:a14="http://schemas.microsoft.com/office/drawing/2010/main">
-                <a:solidFill>
-                  <a:srgbClr val="FFFFFF"/>
-                </a:solidFill>
-              </a14:hiddenFill>
-            </a:ext>
-          </a:extLst>
-        </p:spPr>
-      </p:pic>
-      <p:pic>
-        <p:nvPicPr>
-          <p:cNvPr id="13" name="Picture 6" descr="ãµã¼ãã¼ã®ã¤ã©ã¹ã"/>
-          <p:cNvPicPr>
-            <a:picLocks noChangeAspect="1" noChangeArrowheads="1"/>
-          </p:cNvPicPr>
-          <p:nvPr/>
-        </p:nvPicPr>
-        <p:blipFill>
-          <a:blip r:embed="rId4" cstate="print">
-            <a:extLst>
-              <a:ext uri="{28A0092B-C50C-407E-A947-70E740481C1C}">
-                <a14:useLocalDpi xmlns:a14="http://schemas.microsoft.com/office/drawing/2010/main" val="0"/>
-              </a:ext>
-            </a:extLst>
-          </a:blip>
-          <a:srcRect/>
-          <a:stretch>
-            <a:fillRect/>
-          </a:stretch>
-        </p:blipFill>
-        <p:spPr bwMode="auto">
-          <a:xfrm>
-            <a:off x="4830929" y="3431253"/>
-            <a:ext cx="1248073" cy="1163828"/>
-          </a:xfrm>
-          <a:prstGeom prst="rect">
-            <a:avLst/>
-          </a:prstGeom>
-          <a:noFill/>
-          <a:extLst>
-            <a:ext uri="{909E8E84-426E-40DD-AFC4-6F175D3DCCD1}">
-              <a14:hiddenFill xmlns:a14="http://schemas.microsoft.com/office/drawing/2010/main">
-                <a:solidFill>
-                  <a:srgbClr val="FFFFFF"/>
-                </a:solidFill>
-              </a14:hiddenFill>
-            </a:ext>
-          </a:extLst>
-        </p:spPr>
-      </p:pic>
-      <p:sp>
-        <p:nvSpPr>
-          <p:cNvPr id="14" name="テキスト ボックス 13"/>
-          <p:cNvSpPr txBox="1"/>
-          <p:nvPr/>
-        </p:nvSpPr>
-        <p:spPr>
-          <a:xfrm>
-            <a:off x="4644888" y="3076875"/>
-            <a:ext cx="1944216" cy="369332"/>
-          </a:xfrm>
-          <a:prstGeom prst="rect">
-            <a:avLst/>
-          </a:prstGeom>
-          <a:noFill/>
-        </p:spPr>
-        <p:txBody>
-          <a:bodyPr wrap="square" rtlCol="0">
-            <a:spAutoFit/>
-          </a:bodyPr>
-          <a:lstStyle/>
-          <a:p>
-            <a:r>
-              <a:rPr kumimoji="1" lang="en-US" altLang="ja-JP" dirty="0" smtClean="0"/>
-              <a:t>GitHub</a:t>
-            </a:r>
-            <a:r>
-              <a:rPr kumimoji="1" lang="ja-JP" altLang="en-US" dirty="0" smtClean="0"/>
-              <a:t>のサーバ</a:t>
-            </a:r>
-            <a:endParaRPr kumimoji="1" lang="ja-JP" altLang="en-US" dirty="0"/>
-          </a:p>
-        </p:txBody>
-      </p:sp>
-      <p:sp>
-        <p:nvSpPr>
-          <p:cNvPr id="15" name="角丸四角形 14"/>
-          <p:cNvSpPr/>
-          <p:nvPr/>
-        </p:nvSpPr>
-        <p:spPr>
-          <a:xfrm>
-            <a:off x="6992209" y="3679768"/>
-            <a:ext cx="1180191" cy="1158190"/>
-          </a:xfrm>
-          <a:prstGeom prst="roundRect">
-            <a:avLst/>
-          </a:prstGeom>
-          <a:noFill/>
-          <a:ln>
-            <a:solidFill>
-              <a:schemeClr val="tx1"/>
-            </a:solidFill>
-            <a:prstDash val="dash"/>
-          </a:ln>
-        </p:spPr>
-        <p:style>
-          <a:lnRef idx="2">
-            <a:schemeClr val="accent1">
-              <a:shade val="50000"/>
-            </a:schemeClr>
-          </a:lnRef>
-          <a:fillRef idx="1">
-            <a:schemeClr val="accent1"/>
-          </a:fillRef>
-          <a:effectRef idx="0">
-            <a:schemeClr val="accent1"/>
-          </a:effectRef>
-          <a:fontRef idx="minor">
-            <a:schemeClr val="lt1"/>
-          </a:fontRef>
-        </p:style>
-        <p:txBody>
-          <a:bodyPr rtlCol="0" anchor="ctr"/>
-          <a:lstStyle/>
-          <a:p>
-            <a:pPr algn="ctr"/>
-            <a:endParaRPr kumimoji="1" lang="ja-JP" altLang="en-US"/>
-          </a:p>
-        </p:txBody>
-      </p:sp>
-      <p:sp>
-        <p:nvSpPr>
-          <p:cNvPr id="16" name="テキスト ボックス 15"/>
-          <p:cNvSpPr txBox="1"/>
-          <p:nvPr/>
-        </p:nvSpPr>
-        <p:spPr>
-          <a:xfrm>
-            <a:off x="6747893" y="2957582"/>
-            <a:ext cx="2031325" cy="646331"/>
-          </a:xfrm>
-          <a:prstGeom prst="rect">
-            <a:avLst/>
-          </a:prstGeom>
-          <a:noFill/>
-        </p:spPr>
-        <p:txBody>
-          <a:bodyPr wrap="none" rtlCol="0">
-            <a:spAutoFit/>
-          </a:bodyPr>
-          <a:lstStyle/>
-          <a:p>
-            <a:r>
-              <a:rPr kumimoji="1" lang="en-US" altLang="ja-JP" dirty="0" smtClean="0"/>
-              <a:t>GitHub</a:t>
-            </a:r>
-            <a:r>
-              <a:rPr lang="ja-JP" altLang="en-US" dirty="0" smtClean="0"/>
-              <a:t>サーバに</a:t>
-            </a:r>
-            <a:endParaRPr lang="en-US" altLang="ja-JP" dirty="0" smtClean="0"/>
-          </a:p>
-          <a:p>
-            <a:r>
-              <a:rPr lang="ja-JP" altLang="en-US" dirty="0" smtClean="0"/>
-              <a:t>とってのローカル</a:t>
-            </a:r>
-            <a:endParaRPr kumimoji="1" lang="en-US" altLang="ja-JP" dirty="0" smtClean="0"/>
-          </a:p>
-        </p:txBody>
-      </p:sp>
-      <p:sp>
-        <p:nvSpPr>
-          <p:cNvPr id="22" name="角丸四角形 21"/>
-          <p:cNvSpPr/>
-          <p:nvPr/>
-        </p:nvSpPr>
-        <p:spPr>
-          <a:xfrm>
-            <a:off x="354736" y="2156152"/>
-            <a:ext cx="504056" cy="490103"/>
-          </a:xfrm>
-          <a:prstGeom prst="roundRect">
-            <a:avLst/>
-          </a:prstGeom>
-          <a:solidFill>
-            <a:schemeClr val="bg1">
-              <a:lumMod val="85000"/>
-            </a:schemeClr>
-          </a:solidFill>
-          <a:ln>
-            <a:noFill/>
-          </a:ln>
-        </p:spPr>
-        <p:style>
-          <a:lnRef idx="2">
-            <a:schemeClr val="accent1">
-              <a:shade val="50000"/>
-            </a:schemeClr>
-          </a:lnRef>
-          <a:fillRef idx="1">
-            <a:schemeClr val="accent1"/>
-          </a:fillRef>
-          <a:effectRef idx="0">
-            <a:schemeClr val="accent1"/>
-          </a:effectRef>
-          <a:fontRef idx="minor">
-            <a:schemeClr val="lt1"/>
-          </a:fontRef>
-        </p:style>
-        <p:txBody>
-          <a:bodyPr rtlCol="0" anchor="ctr"/>
-          <a:lstStyle/>
-          <a:p>
-            <a:pPr algn="ctr"/>
-            <a:endParaRPr kumimoji="1" lang="ja-JP" altLang="en-US"/>
-          </a:p>
-        </p:txBody>
-      </p:sp>
-      <p:sp>
-        <p:nvSpPr>
-          <p:cNvPr id="23" name="正方形/長方形 22"/>
-          <p:cNvSpPr/>
-          <p:nvPr/>
-        </p:nvSpPr>
-        <p:spPr>
-          <a:xfrm>
-            <a:off x="796790" y="2156152"/>
-            <a:ext cx="5951103" cy="490103"/>
-          </a:xfrm>
-          <a:prstGeom prst="rect">
-            <a:avLst/>
-          </a:prstGeom>
-          <a:solidFill>
-            <a:schemeClr val="bg1">
-              <a:lumMod val="95000"/>
-            </a:schemeClr>
-          </a:solidFill>
-          <a:ln>
-            <a:noFill/>
-          </a:ln>
-        </p:spPr>
-        <p:style>
-          <a:lnRef idx="2">
-            <a:schemeClr val="accent1">
-              <a:shade val="50000"/>
-            </a:schemeClr>
-          </a:lnRef>
-          <a:fillRef idx="1">
-            <a:schemeClr val="accent1"/>
-          </a:fillRef>
-          <a:effectRef idx="0">
-            <a:schemeClr val="accent1"/>
-          </a:effectRef>
-          <a:fontRef idx="minor">
-            <a:schemeClr val="lt1"/>
-          </a:fontRef>
-        </p:style>
-        <p:txBody>
-          <a:bodyPr rtlCol="0" anchor="ctr"/>
-          <a:lstStyle/>
-          <a:p>
-            <a:pPr algn="ctr"/>
-            <a:endParaRPr kumimoji="1" lang="ja-JP" altLang="en-US"/>
-          </a:p>
-        </p:txBody>
-      </p:sp>
-      <p:grpSp>
-        <p:nvGrpSpPr>
-          <p:cNvPr id="27" name="グループ化 26"/>
-          <p:cNvGrpSpPr/>
-          <p:nvPr/>
-        </p:nvGrpSpPr>
-        <p:grpSpPr>
-          <a:xfrm>
-            <a:off x="436158" y="2266600"/>
-            <a:ext cx="269205" cy="269205"/>
-            <a:chOff x="245286" y="4918353"/>
-            <a:chExt cx="958920" cy="958920"/>
-          </a:xfrm>
-        </p:grpSpPr>
-        <p:sp>
-          <p:nvSpPr>
-            <p:cNvPr id="24" name="楕円 23"/>
-            <p:cNvSpPr/>
-            <p:nvPr/>
-          </p:nvSpPr>
-          <p:spPr>
-            <a:xfrm>
-              <a:off x="245286" y="4918353"/>
-              <a:ext cx="958920" cy="958920"/>
-            </a:xfrm>
-            <a:prstGeom prst="ellipse">
-              <a:avLst/>
-            </a:prstGeom>
-            <a:solidFill>
-              <a:schemeClr val="tx1">
-                <a:lumMod val="85000"/>
-                <a:lumOff val="15000"/>
-              </a:schemeClr>
-            </a:solidFill>
-            <a:ln>
-              <a:noFill/>
-            </a:ln>
-          </p:spPr>
-          <p:style>
-            <a:lnRef idx="2">
-              <a:schemeClr val="accent1">
-                <a:shade val="50000"/>
-              </a:schemeClr>
-            </a:lnRef>
-            <a:fillRef idx="1">
-              <a:schemeClr val="accent1"/>
-            </a:fillRef>
-            <a:effectRef idx="0">
-              <a:schemeClr val="accent1"/>
-            </a:effectRef>
-            <a:fontRef idx="minor">
-              <a:schemeClr val="lt1"/>
-            </a:fontRef>
-          </p:style>
-          <p:txBody>
-            <a:bodyPr rtlCol="0" anchor="ctr"/>
-            <a:lstStyle/>
-            <a:p>
-              <a:pPr algn="ctr"/>
-              <a:endParaRPr kumimoji="1" lang="ja-JP" altLang="en-US"/>
-            </a:p>
-          </p:txBody>
-        </p:sp>
-        <p:sp>
-          <p:nvSpPr>
-            <p:cNvPr id="25" name="二等辺三角形 24"/>
-            <p:cNvSpPr/>
-            <p:nvPr/>
-          </p:nvSpPr>
-          <p:spPr>
-            <a:xfrm rot="5400000">
-              <a:off x="524954" y="5197492"/>
-              <a:ext cx="492649" cy="400642"/>
-            </a:xfrm>
-            <a:prstGeom prst="triangle">
-              <a:avLst/>
-            </a:prstGeom>
-            <a:solidFill>
-              <a:schemeClr val="bg1">
-                <a:lumMod val="85000"/>
-              </a:schemeClr>
-            </a:solidFill>
-            <a:ln>
-              <a:noFill/>
-            </a:ln>
-          </p:spPr>
-          <p:style>
-            <a:lnRef idx="2">
-              <a:schemeClr val="accent1">
-                <a:shade val="50000"/>
-              </a:schemeClr>
-            </a:lnRef>
-            <a:fillRef idx="1">
-              <a:schemeClr val="accent1"/>
-            </a:fillRef>
-            <a:effectRef idx="0">
-              <a:schemeClr val="accent1"/>
-            </a:effectRef>
-            <a:fontRef idx="minor">
-              <a:schemeClr val="lt1"/>
-            </a:fontRef>
-          </p:style>
-          <p:txBody>
-            <a:bodyPr rtlCol="0" anchor="ctr"/>
-            <a:lstStyle/>
-            <a:p>
-              <a:pPr algn="ctr"/>
-              <a:endParaRPr kumimoji="1" lang="ja-JP" altLang="en-US"/>
-            </a:p>
-          </p:txBody>
-        </p:sp>
-      </p:grpSp>
-      <p:sp>
-        <p:nvSpPr>
-          <p:cNvPr id="28" name="正方形/長方形 27"/>
-          <p:cNvSpPr/>
-          <p:nvPr/>
-        </p:nvSpPr>
-        <p:spPr>
-          <a:xfrm>
-            <a:off x="796791" y="2258806"/>
-            <a:ext cx="6029270" cy="276999"/>
-          </a:xfrm>
-          <a:prstGeom prst="rect">
-            <a:avLst/>
-          </a:prstGeom>
-        </p:spPr>
-        <p:txBody>
-          <a:bodyPr wrap="square">
-            <a:spAutoFit/>
-          </a:bodyPr>
-          <a:lstStyle/>
-          <a:p>
-            <a:r>
-              <a:rPr lang="en-US" altLang="ja-JP" sz="1200" dirty="0">
-                <a:solidFill>
-                  <a:srgbClr val="0000FF"/>
-                </a:solidFill>
-                <a:latin typeface="Courier New" panose="02070309020205020404" pitchFamily="49" charset="0"/>
-              </a:rPr>
-              <a:t>!</a:t>
-            </a:r>
-            <a:r>
-              <a:rPr lang="en-US" altLang="ja-JP" sz="1200" dirty="0" err="1">
-                <a:solidFill>
-                  <a:srgbClr val="000000"/>
-                </a:solidFill>
-                <a:latin typeface="Courier New" panose="02070309020205020404" pitchFamily="49" charset="0"/>
-              </a:rPr>
-              <a:t>wget</a:t>
-            </a:r>
-            <a:r>
-              <a:rPr lang="en-US" altLang="ja-JP" sz="1200" dirty="0">
-                <a:solidFill>
-                  <a:srgbClr val="000000"/>
-                </a:solidFill>
-                <a:latin typeface="Courier New" panose="02070309020205020404" pitchFamily="49" charset="0"/>
-              </a:rPr>
-              <a:t> </a:t>
-            </a:r>
-            <a:r>
-              <a:rPr lang="en-US" altLang="ja-JP" sz="1200" u="sng" dirty="0">
-                <a:solidFill>
-                  <a:srgbClr val="000000"/>
-                </a:solidFill>
-                <a:latin typeface="Courier New" panose="02070309020205020404" pitchFamily="49" charset="0"/>
-              </a:rPr>
-              <a:t>https://kaityo256.github.io/python_zero/file/colortv.csv </a:t>
-            </a:r>
-            <a:endParaRPr lang="en-US" altLang="ja-JP" sz="1200" b="0" u="sng" dirty="0">
-              <a:solidFill>
-                <a:srgbClr val="000000"/>
-              </a:solidFill>
-              <a:effectLst/>
-              <a:latin typeface="Courier New" panose="02070309020205020404" pitchFamily="49" charset="0"/>
-            </a:endParaRPr>
-          </a:p>
-        </p:txBody>
-      </p:sp>
-      <p:sp>
-        <p:nvSpPr>
-          <p:cNvPr id="29" name="テキスト ボックス 28"/>
-          <p:cNvSpPr txBox="1"/>
-          <p:nvPr/>
-        </p:nvSpPr>
-        <p:spPr>
-          <a:xfrm>
-            <a:off x="904507" y="1599179"/>
-            <a:ext cx="3416320" cy="369332"/>
-          </a:xfrm>
-          <a:prstGeom prst="rect">
-            <a:avLst/>
-          </a:prstGeom>
-          <a:noFill/>
-        </p:spPr>
-        <p:txBody>
-          <a:bodyPr wrap="none" rtlCol="0">
-            <a:spAutoFit/>
-          </a:bodyPr>
-          <a:lstStyle/>
-          <a:p>
-            <a:r>
-              <a:rPr lang="ja-JP" altLang="en-US" dirty="0" smtClean="0"/>
-              <a:t>ブラウザでダウンロードを実行</a:t>
-            </a:r>
-            <a:endParaRPr kumimoji="1" lang="ja-JP" altLang="en-US" dirty="0"/>
-          </a:p>
-        </p:txBody>
-      </p:sp>
-      <p:cxnSp>
-        <p:nvCxnSpPr>
-          <p:cNvPr id="31" name="カギ線コネクタ 30"/>
-          <p:cNvCxnSpPr>
-            <a:stCxn id="1028" idx="3"/>
-            <a:endCxn id="12" idx="3"/>
-          </p:cNvCxnSpPr>
-          <p:nvPr/>
-        </p:nvCxnSpPr>
-        <p:spPr>
-          <a:xfrm>
-            <a:off x="7799492" y="1239654"/>
-            <a:ext cx="12700" cy="2993134"/>
-          </a:xfrm>
-          <a:prstGeom prst="bentConnector3">
-            <a:avLst>
-              <a:gd name="adj1" fmla="val 8127268"/>
-            </a:avLst>
-          </a:prstGeom>
-          <a:ln w="12700">
-            <a:solidFill>
-              <a:schemeClr val="tx1"/>
-            </a:solidFill>
-            <a:tailEnd type="triangle"/>
-          </a:ln>
-        </p:spPr>
-        <p:style>
-          <a:lnRef idx="1">
-            <a:schemeClr val="accent1"/>
-          </a:lnRef>
-          <a:fillRef idx="0">
-            <a:schemeClr val="accent1"/>
-          </a:fillRef>
-          <a:effectRef idx="0">
-            <a:schemeClr val="accent1"/>
-          </a:effectRef>
-          <a:fontRef idx="minor">
-            <a:schemeClr val="tx1"/>
-          </a:fontRef>
-        </p:style>
-      </p:cxnSp>
-    </p:spTree>
-    <p:extLst>
-      <p:ext uri="{BB962C8B-B14F-4D97-AF65-F5344CB8AC3E}">
-        <p14:creationId xmlns:p14="http://schemas.microsoft.com/office/powerpoint/2010/main" val="2675780751"/>
-      </p:ext>
-    </p:extLst>
-  </p:cSld>
-  <p:clrMapOvr>
-    <a:masterClrMapping/>
-  </p:clrMapOvr>
-</p:sld>
-</file>
-
-<file path=ppt/slides/slide4.xml><?xml version="1.0" encoding="utf-8"?>
 <p:sld xmlns:a="http://schemas.openxmlformats.org/drawingml/2006/main" xmlns:r="http://schemas.openxmlformats.org/officeDocument/2006/relationships" xmlns:p="http://schemas.openxmlformats.org/presentationml/2006/main">
   <p:cSld>
     <p:spTree>
@@ -4410,15 +3534,15 @@
           <a:lstStyle/>
           <a:p>
             <a:r>
-              <a:rPr lang="en-US" altLang="ja-JP" dirty="0" smtClean="0"/>
+              <a:rPr lang="en-US" altLang="ja-JP" dirty="0"/>
               <a:t>Google </a:t>
             </a:r>
             <a:r>
-              <a:rPr lang="en-US" altLang="ja-JP" dirty="0" err="1" smtClean="0"/>
+              <a:rPr lang="en-US" altLang="ja-JP" dirty="0" err="1"/>
               <a:t>Colab</a:t>
             </a:r>
             <a:r>
-              <a:rPr lang="ja-JP" altLang="en-US" dirty="0" smtClean="0"/>
+              <a:rPr lang="ja-JP" altLang="en-US" dirty="0"/>
               <a:t>上でダウンロードを実行</a:t>
             </a:r>
             <a:endParaRPr kumimoji="1" lang="ja-JP" altLang="en-US" dirty="0"/>
@@ -4489,14 +3613,13 @@
           <a:lstStyle/>
           <a:p>
             <a:r>
-              <a:rPr kumimoji="1" lang="en-US" altLang="ja-JP" dirty="0" smtClean="0"/>
+              <a:rPr kumimoji="1" lang="en-US" altLang="ja-JP" dirty="0"/>
               <a:t>GitHub</a:t>
             </a:r>
             <a:r>
-              <a:rPr kumimoji="1" lang="ja-JP" altLang="en-US" dirty="0" smtClean="0"/>
+              <a:rPr kumimoji="1" lang="ja-JP" altLang="en-US" dirty="0"/>
               <a:t>のサーバ</a:t>
             </a:r>
-            <a:endParaRPr kumimoji="1" lang="ja-JP" altLang="en-US" dirty="0"/>
           </a:p>
         </p:txBody>
       </p:sp>
@@ -4611,21 +3734,21 @@
           <a:lstStyle/>
           <a:p>
             <a:r>
-              <a:rPr kumimoji="1" lang="en-US" altLang="ja-JP" dirty="0" smtClean="0"/>
+              <a:rPr kumimoji="1" lang="en-US" altLang="ja-JP" dirty="0"/>
               <a:t>GitHub</a:t>
             </a:r>
             <a:r>
-              <a:rPr lang="ja-JP" altLang="en-US" dirty="0" smtClean="0"/>
+              <a:rPr lang="ja-JP" altLang="en-US" dirty="0"/>
               <a:t>サーバに</a:t>
             </a:r>
-            <a:endParaRPr lang="en-US" altLang="ja-JP" dirty="0" smtClean="0"/>
-          </a:p>
-          <a:p>
-            <a:r>
-              <a:rPr lang="ja-JP" altLang="en-US" dirty="0" smtClean="0"/>
+            <a:endParaRPr lang="en-US" altLang="ja-JP" dirty="0"/>
+          </a:p>
+          <a:p>
+            <a:r>
+              <a:rPr lang="ja-JP" altLang="en-US" dirty="0"/>
               <a:t>とってのローカル</a:t>
             </a:r>
-            <a:endParaRPr kumimoji="1" lang="en-US" altLang="ja-JP" dirty="0" smtClean="0"/>
+            <a:endParaRPr kumimoji="1" lang="en-US" altLang="ja-JP" dirty="0"/>
           </a:p>
         </p:txBody>
       </p:sp>
@@ -4693,14 +3816,13 @@
           <a:lstStyle/>
           <a:p>
             <a:r>
-              <a:rPr lang="en-US" altLang="ja-JP" dirty="0" smtClean="0"/>
+              <a:rPr lang="en-US" altLang="ja-JP" dirty="0"/>
               <a:t>Google Colab</a:t>
             </a:r>
             <a:r>
-              <a:rPr kumimoji="1" lang="ja-JP" altLang="en-US" dirty="0" smtClean="0"/>
+              <a:rPr kumimoji="1" lang="ja-JP" altLang="en-US" dirty="0"/>
               <a:t>のサーバ</a:t>
             </a:r>
-            <a:endParaRPr kumimoji="1" lang="ja-JP" altLang="en-US" dirty="0"/>
           </a:p>
         </p:txBody>
       </p:sp>
@@ -4815,25 +3937,25 @@
           <a:lstStyle/>
           <a:p>
             <a:r>
-              <a:rPr kumimoji="1" lang="en-US" altLang="ja-JP" dirty="0" smtClean="0"/>
+              <a:rPr kumimoji="1" lang="en-US" altLang="ja-JP" dirty="0"/>
               <a:t>Google Colab</a:t>
             </a:r>
             <a:r>
-              <a:rPr kumimoji="1" lang="ja-JP" altLang="en-US" dirty="0" smtClean="0"/>
+              <a:rPr kumimoji="1" lang="ja-JP" altLang="en-US" dirty="0"/>
               <a:t>サーバ</a:t>
             </a:r>
             <a:r>
-              <a:rPr lang="ja-JP" altLang="en-US" dirty="0" smtClean="0"/>
+              <a:rPr lang="ja-JP" altLang="en-US" dirty="0"/>
               <a:t>に</a:t>
             </a:r>
-            <a:endParaRPr lang="en-US" altLang="ja-JP" dirty="0" smtClean="0"/>
-          </a:p>
-          <a:p>
-            <a:r>
-              <a:rPr lang="ja-JP" altLang="en-US" dirty="0" smtClean="0"/>
+            <a:endParaRPr lang="en-US" altLang="ja-JP" dirty="0"/>
+          </a:p>
+          <a:p>
+            <a:r>
+              <a:rPr lang="ja-JP" altLang="en-US" dirty="0"/>
               <a:t>とってのローカル</a:t>
             </a:r>
-            <a:endParaRPr kumimoji="1" lang="en-US" altLang="ja-JP" dirty="0" smtClean="0"/>
+            <a:endParaRPr kumimoji="1" lang="en-US" altLang="ja-JP" dirty="0"/>
           </a:p>
         </p:txBody>
       </p:sp>
@@ -4947,19 +4069,19 @@
           <a:lstStyle/>
           <a:p>
             <a:r>
-              <a:rPr kumimoji="1" lang="en-US" altLang="ja-JP" dirty="0" smtClean="0"/>
+              <a:rPr kumimoji="1" lang="en-US" altLang="ja-JP" dirty="0"/>
               <a:t>GitHub</a:t>
             </a:r>
             <a:r>
-              <a:rPr kumimoji="1" lang="ja-JP" altLang="en-US" dirty="0" smtClean="0"/>
+              <a:rPr kumimoji="1" lang="ja-JP" altLang="en-US" dirty="0"/>
               <a:t>から</a:t>
             </a:r>
             <a:r>
-              <a:rPr lang="en-US" altLang="ja-JP" dirty="0" smtClean="0"/>
+              <a:rPr lang="en-US" altLang="ja-JP" dirty="0"/>
               <a:t>Google Colab</a:t>
             </a:r>
             <a:r>
-              <a:rPr lang="ja-JP" altLang="en-US" dirty="0" smtClean="0"/>
+              <a:rPr lang="ja-JP" altLang="en-US" dirty="0"/>
               <a:t>にダウンロード</a:t>
             </a:r>
             <a:endParaRPr kumimoji="1" lang="ja-JP" altLang="en-US" dirty="0"/>
@@ -5071,10 +4193,9 @@
           <a:lstStyle/>
           <a:p>
             <a:r>
-              <a:rPr kumimoji="1" lang="ja-JP" altLang="en-US" sz="1400" dirty="0" smtClean="0"/>
+              <a:rPr kumimoji="1" lang="ja-JP" altLang="en-US" sz="1400" dirty="0"/>
               <a:t>データファイル</a:t>
             </a:r>
-            <a:endParaRPr kumimoji="1" lang="ja-JP" altLang="en-US" sz="1400" dirty="0"/>
           </a:p>
         </p:txBody>
       </p:sp>
@@ -5101,10 +4222,9 @@
           <a:lstStyle/>
           <a:p>
             <a:r>
-              <a:rPr kumimoji="1" lang="ja-JP" altLang="en-US" sz="1400" dirty="0" smtClean="0"/>
+              <a:rPr kumimoji="1" lang="ja-JP" altLang="en-US" sz="1400" dirty="0"/>
               <a:t>データファイル</a:t>
             </a:r>
-            <a:endParaRPr kumimoji="1" lang="ja-JP" altLang="en-US" sz="1400" dirty="0"/>
           </a:p>
         </p:txBody>
       </p:sp>
@@ -5131,10 +4251,9 @@
           <a:lstStyle/>
           <a:p>
             <a:r>
-              <a:rPr kumimoji="1" lang="ja-JP" altLang="en-US" sz="1400" dirty="0" smtClean="0"/>
+              <a:rPr kumimoji="1" lang="ja-JP" altLang="en-US" sz="1400" dirty="0"/>
               <a:t>プログラム</a:t>
             </a:r>
-            <a:endParaRPr kumimoji="1" lang="ja-JP" altLang="en-US" sz="1400" dirty="0"/>
           </a:p>
         </p:txBody>
       </p:sp>
@@ -5233,11 +4352,11 @@
           <a:lstStyle/>
           <a:p>
             <a:r>
-              <a:rPr lang="en-US" altLang="ja-JP" dirty="0" smtClean="0"/>
+              <a:rPr lang="en-US" altLang="ja-JP" dirty="0"/>
               <a:t>Google Colab</a:t>
             </a:r>
             <a:r>
-              <a:rPr lang="ja-JP" altLang="en-US" dirty="0" smtClean="0"/>
+              <a:rPr lang="ja-JP" altLang="en-US" dirty="0"/>
               <a:t>のローカルで読み書き</a:t>
             </a:r>
             <a:endParaRPr kumimoji="1" lang="ja-JP" altLang="en-US" dirty="0"/>
